--- a/PropoasalHorizon2020_prezentacija.pptx
+++ b/PropoasalHorizon2020_prezentacija.pptx
@@ -6,14 +6,14 @@
   </p:sldMasterIdLst>
   <p:sldIdLst>
     <p:sldId id="256" r:id="rId2"/>
-    <p:sldId id="257" r:id="rId3"/>
-    <p:sldId id="261" r:id="rId4"/>
+    <p:sldId id="261" r:id="rId3"/>
+    <p:sldId id="266" r:id="rId4"/>
     <p:sldId id="260" r:id="rId5"/>
     <p:sldId id="259" r:id="rId6"/>
-    <p:sldId id="266" r:id="rId7"/>
-    <p:sldId id="265" r:id="rId8"/>
-    <p:sldId id="262" r:id="rId9"/>
-    <p:sldId id="263" r:id="rId10"/>
+    <p:sldId id="265" r:id="rId7"/>
+    <p:sldId id="262" r:id="rId8"/>
+    <p:sldId id="263" r:id="rId9"/>
+    <p:sldId id="257" r:id="rId10"/>
     <p:sldId id="264" r:id="rId11"/>
   </p:sldIdLst>
   <p:sldSz cx="12192000" cy="6858000"/>
@@ -113,6 +113,11 @@
       </a:defRPr>
     </a:lvl9pPr>
   </p:defaultTextStyle>
+  <p:extLst>
+    <p:ext uri="{EFAFB233-063F-42B5-8137-9DF3F51BA10A}">
+      <p15:sldGuideLst xmlns:p15="http://schemas.microsoft.com/office/powerpoint/2012/main"/>
+    </p:ext>
+  </p:extLst>
 </p:presentation>
 </file>
 
@@ -995,7 +1000,11 @@
           </a:pPr>
           <a:r>
             <a:rPr lang="en-US" sz="1400" dirty="0" smtClean="0"/>
-            <a:t>01/3/2020 – 15/6/2020</a:t>
+            <a:t>01/3/2020 – </a:t>
+          </a:r>
+          <a:r>
+            <a:rPr lang="en-US" sz="1400" dirty="0" smtClean="0"/>
+            <a:t>15/3/2020</a:t>
           </a:r>
           <a:endParaRPr lang="en-GB" sz="1400" dirty="0"/>
         </a:p>
@@ -1181,6 +1190,13 @@
         </dgm:presLayoutVars>
       </dgm:prSet>
       <dgm:spPr/>
+      <dgm:t>
+        <a:bodyPr/>
+        <a:lstStyle/>
+        <a:p>
+          <a:endParaRPr lang="en-GB"/>
+        </a:p>
+      </dgm:t>
     </dgm:pt>
     <dgm:pt modelId="{A60AA687-F232-4CA1-8CFE-393A7D18C3B4}" type="pres">
       <dgm:prSet presAssocID="{EE70B2BB-9232-4995-AA1C-74C8C9144D14}" presName="vertOne" presStyleCnt="0"/>
@@ -1288,15 +1304,15 @@
     </dgm:pt>
   </dgm:ptLst>
   <dgm:cxnLst>
+    <dgm:cxn modelId="{8991D5D4-6C23-4C75-90F3-351429AD9D80}" type="presOf" srcId="{49760E7B-5E88-4546-B9DB-51C81A8313BA}" destId="{9DEA08D7-8C31-42E1-A060-ECFAFAF79D52}" srcOrd="0" destOrd="0" presId="urn:microsoft.com/office/officeart/2005/8/layout/architecture"/>
+    <dgm:cxn modelId="{F3D58B02-AF09-4F30-84F4-534212B3983C}" type="presOf" srcId="{7496C3D0-ADCA-402E-89C0-708ACA97DE89}" destId="{4CDF4493-FEDB-496A-A88A-692E336F5D62}" srcOrd="0" destOrd="0" presId="urn:microsoft.com/office/officeart/2005/8/layout/architecture"/>
     <dgm:cxn modelId="{D9CEDC46-8033-4FEB-B178-E852C78E3BB2}" srcId="{EE70B2BB-9232-4995-AA1C-74C8C9144D14}" destId="{49760E7B-5E88-4546-B9DB-51C81A8313BA}" srcOrd="2" destOrd="0" parTransId="{D668A013-8AAE-4D93-AB35-E2823363B901}" sibTransId="{CF1C4D8E-A9C6-4759-A8B2-3D4439D58009}"/>
-    <dgm:cxn modelId="{8991D5D4-6C23-4C75-90F3-351429AD9D80}" type="presOf" srcId="{49760E7B-5E88-4546-B9DB-51C81A8313BA}" destId="{9DEA08D7-8C31-42E1-A060-ECFAFAF79D52}" srcOrd="0" destOrd="0" presId="urn:microsoft.com/office/officeart/2005/8/layout/architecture"/>
+    <dgm:cxn modelId="{E32CA353-D695-4BBF-A5AF-EDD9F7CC0005}" srcId="{1343257D-C937-4686-B153-1023F8458418}" destId="{EE70B2BB-9232-4995-AA1C-74C8C9144D14}" srcOrd="0" destOrd="0" parTransId="{C5B6C396-1FC7-46FB-9992-4F31757A5441}" sibTransId="{F4872F0A-C758-4296-B0B1-00FCA8E09A05}"/>
+    <dgm:cxn modelId="{E696FD28-9DDD-44B2-9FA7-5FE9BE6C89DE}" type="presOf" srcId="{1343257D-C937-4686-B153-1023F8458418}" destId="{69AE8F67-2A14-4CF0-A6FF-F73DAEA75A17}" srcOrd="0" destOrd="0" presId="urn:microsoft.com/office/officeart/2005/8/layout/architecture"/>
+    <dgm:cxn modelId="{F0C467F6-CFB3-4D46-9CD7-779024D91F42}" type="presOf" srcId="{EE70B2BB-9232-4995-AA1C-74C8C9144D14}" destId="{34DDFF10-7067-4AA7-A06F-CB7C65C65A98}" srcOrd="0" destOrd="0" presId="urn:microsoft.com/office/officeart/2005/8/layout/architecture"/>
+    <dgm:cxn modelId="{BFA99E79-D3CE-4CF8-8555-FFAAB7834882}" srcId="{EE70B2BB-9232-4995-AA1C-74C8C9144D14}" destId="{7496C3D0-ADCA-402E-89C0-708ACA97DE89}" srcOrd="0" destOrd="0" parTransId="{92E120AB-EA2B-41E8-9073-1737C3EE988E}" sibTransId="{84E44903-F38E-4CAB-9E9D-155CB71DDAE4}"/>
     <dgm:cxn modelId="{2FEE38B1-66FC-4678-B106-7E87EA266617}" type="presOf" srcId="{6A370BBB-83E2-41B0-8CCE-86539BA04E13}" destId="{7487D193-978F-43E5-BD97-34D47ECF982E}" srcOrd="0" destOrd="0" presId="urn:microsoft.com/office/officeart/2005/8/layout/architecture"/>
     <dgm:cxn modelId="{97F29844-C8E2-4DB2-A49B-6F501F973D50}" srcId="{EE70B2BB-9232-4995-AA1C-74C8C9144D14}" destId="{6A370BBB-83E2-41B0-8CCE-86539BA04E13}" srcOrd="1" destOrd="0" parTransId="{25323097-EDFA-4A99-A598-6A5D0B1BCC82}" sibTransId="{273CBAFF-8CEE-40C0-BE9E-259013ADF4D6}"/>
-    <dgm:cxn modelId="{E696FD28-9DDD-44B2-9FA7-5FE9BE6C89DE}" type="presOf" srcId="{1343257D-C937-4686-B153-1023F8458418}" destId="{69AE8F67-2A14-4CF0-A6FF-F73DAEA75A17}" srcOrd="0" destOrd="0" presId="urn:microsoft.com/office/officeart/2005/8/layout/architecture"/>
-    <dgm:cxn modelId="{F0C467F6-CFB3-4D46-9CD7-779024D91F42}" type="presOf" srcId="{EE70B2BB-9232-4995-AA1C-74C8C9144D14}" destId="{34DDFF10-7067-4AA7-A06F-CB7C65C65A98}" srcOrd="0" destOrd="0" presId="urn:microsoft.com/office/officeart/2005/8/layout/architecture"/>
-    <dgm:cxn modelId="{F3D58B02-AF09-4F30-84F4-534212B3983C}" type="presOf" srcId="{7496C3D0-ADCA-402E-89C0-708ACA97DE89}" destId="{4CDF4493-FEDB-496A-A88A-692E336F5D62}" srcOrd="0" destOrd="0" presId="urn:microsoft.com/office/officeart/2005/8/layout/architecture"/>
-    <dgm:cxn modelId="{BFA99E79-D3CE-4CF8-8555-FFAAB7834882}" srcId="{EE70B2BB-9232-4995-AA1C-74C8C9144D14}" destId="{7496C3D0-ADCA-402E-89C0-708ACA97DE89}" srcOrd="0" destOrd="0" parTransId="{92E120AB-EA2B-41E8-9073-1737C3EE988E}" sibTransId="{84E44903-F38E-4CAB-9E9D-155CB71DDAE4}"/>
-    <dgm:cxn modelId="{E32CA353-D695-4BBF-A5AF-EDD9F7CC0005}" srcId="{1343257D-C937-4686-B153-1023F8458418}" destId="{EE70B2BB-9232-4995-AA1C-74C8C9144D14}" srcOrd="0" destOrd="0" parTransId="{C5B6C396-1FC7-46FB-9992-4F31757A5441}" sibTransId="{F4872F0A-C758-4296-B0B1-00FCA8E09A05}"/>
     <dgm:cxn modelId="{6EA8328A-9C56-4737-8BB7-81E6B8733802}" type="presParOf" srcId="{69AE8F67-2A14-4CF0-A6FF-F73DAEA75A17}" destId="{A60AA687-F232-4CA1-8CFE-393A7D18C3B4}" srcOrd="0" destOrd="0" presId="urn:microsoft.com/office/officeart/2005/8/layout/architecture"/>
     <dgm:cxn modelId="{FB3E876E-4AEA-4AED-8C50-02BD9D88267B}" type="presParOf" srcId="{A60AA687-F232-4CA1-8CFE-393A7D18C3B4}" destId="{34DDFF10-7067-4AA7-A06F-CB7C65C65A98}" srcOrd="0" destOrd="0" presId="urn:microsoft.com/office/officeart/2005/8/layout/architecture"/>
     <dgm:cxn modelId="{B1E64BFC-1D81-4815-963D-73FD5312A656}" type="presParOf" srcId="{A60AA687-F232-4CA1-8CFE-393A7D18C3B4}" destId="{02CE9195-C9EF-4E10-82B9-EE0F499011E8}" srcOrd="1" destOrd="0" presId="urn:microsoft.com/office/officeart/2005/8/layout/architecture"/>
@@ -1557,7 +1573,11 @@
           </a:pPr>
           <a:r>
             <a:rPr lang="en-US" sz="1400" kern="1200" dirty="0" smtClean="0"/>
-            <a:t>01/3/2020 – 15/6/2020</a:t>
+            <a:t>01/3/2020 – </a:t>
+          </a:r>
+          <a:r>
+            <a:rPr lang="en-US" sz="1400" kern="1200" dirty="0" smtClean="0"/>
+            <a:t>15/3/2020</a:t>
           </a:r>
           <a:endParaRPr lang="en-GB" sz="1400" kern="1200" dirty="0"/>
         </a:p>
@@ -3564,7 +3584,7 @@
           <a:p>
             <a:fld id="{7FE0318D-9535-4A06-933D-B47C7B2E743E}" type="datetimeFigureOut">
               <a:rPr lang="en-GB" smtClean="0"/>
-              <a:t>27/01/2020</a:t>
+              <a:t>29/01/2020</a:t>
             </a:fld>
             <a:endParaRPr lang="en-GB"/>
           </a:p>
@@ -3734,7 +3754,7 @@
           <a:p>
             <a:fld id="{7FE0318D-9535-4A06-933D-B47C7B2E743E}" type="datetimeFigureOut">
               <a:rPr lang="en-GB" smtClean="0"/>
-              <a:t>27/01/2020</a:t>
+              <a:t>29/01/2020</a:t>
             </a:fld>
             <a:endParaRPr lang="en-GB"/>
           </a:p>
@@ -3914,7 +3934,7 @@
           <a:p>
             <a:fld id="{7FE0318D-9535-4A06-933D-B47C7B2E743E}" type="datetimeFigureOut">
               <a:rPr lang="en-GB" smtClean="0"/>
-              <a:t>27/01/2020</a:t>
+              <a:t>29/01/2020</a:t>
             </a:fld>
             <a:endParaRPr lang="en-GB"/>
           </a:p>
@@ -4084,7 +4104,7 @@
           <a:p>
             <a:fld id="{7FE0318D-9535-4A06-933D-B47C7B2E743E}" type="datetimeFigureOut">
               <a:rPr lang="en-GB" smtClean="0"/>
-              <a:t>27/01/2020</a:t>
+              <a:t>29/01/2020</a:t>
             </a:fld>
             <a:endParaRPr lang="en-GB"/>
           </a:p>
@@ -4330,7 +4350,7 @@
           <a:p>
             <a:fld id="{7FE0318D-9535-4A06-933D-B47C7B2E743E}" type="datetimeFigureOut">
               <a:rPr lang="en-GB" smtClean="0"/>
-              <a:t>27/01/2020</a:t>
+              <a:t>29/01/2020</a:t>
             </a:fld>
             <a:endParaRPr lang="en-GB"/>
           </a:p>
@@ -4562,7 +4582,7 @@
           <a:p>
             <a:fld id="{7FE0318D-9535-4A06-933D-B47C7B2E743E}" type="datetimeFigureOut">
               <a:rPr lang="en-GB" smtClean="0"/>
-              <a:t>27/01/2020</a:t>
+              <a:t>29/01/2020</a:t>
             </a:fld>
             <a:endParaRPr lang="en-GB"/>
           </a:p>
@@ -4929,7 +4949,7 @@
           <a:p>
             <a:fld id="{7FE0318D-9535-4A06-933D-B47C7B2E743E}" type="datetimeFigureOut">
               <a:rPr lang="en-GB" smtClean="0"/>
-              <a:t>27/01/2020</a:t>
+              <a:t>29/01/2020</a:t>
             </a:fld>
             <a:endParaRPr lang="en-GB"/>
           </a:p>
@@ -5047,7 +5067,7 @@
           <a:p>
             <a:fld id="{7FE0318D-9535-4A06-933D-B47C7B2E743E}" type="datetimeFigureOut">
               <a:rPr lang="en-GB" smtClean="0"/>
-              <a:t>27/01/2020</a:t>
+              <a:t>29/01/2020</a:t>
             </a:fld>
             <a:endParaRPr lang="en-GB"/>
           </a:p>
@@ -5142,7 +5162,7 @@
           <a:p>
             <a:fld id="{7FE0318D-9535-4A06-933D-B47C7B2E743E}" type="datetimeFigureOut">
               <a:rPr lang="en-GB" smtClean="0"/>
-              <a:t>27/01/2020</a:t>
+              <a:t>29/01/2020</a:t>
             </a:fld>
             <a:endParaRPr lang="en-GB"/>
           </a:p>
@@ -5419,7 +5439,7 @@
           <a:p>
             <a:fld id="{7FE0318D-9535-4A06-933D-B47C7B2E743E}" type="datetimeFigureOut">
               <a:rPr lang="en-GB" smtClean="0"/>
-              <a:t>27/01/2020</a:t>
+              <a:t>29/01/2020</a:t>
             </a:fld>
             <a:endParaRPr lang="en-GB"/>
           </a:p>
@@ -5672,7 +5692,7 @@
           <a:p>
             <a:fld id="{7FE0318D-9535-4A06-933D-B47C7B2E743E}" type="datetimeFigureOut">
               <a:rPr lang="en-GB" smtClean="0"/>
-              <a:t>27/01/2020</a:t>
+              <a:t>29/01/2020</a:t>
             </a:fld>
             <a:endParaRPr lang="en-GB"/>
           </a:p>
@@ -5885,7 +5905,7 @@
           <a:p>
             <a:fld id="{7FE0318D-9535-4A06-933D-B47C7B2E743E}" type="datetimeFigureOut">
               <a:rPr lang="en-GB" smtClean="0"/>
-              <a:t>27/01/2020</a:t>
+              <a:t>29/01/2020</a:t>
             </a:fld>
             <a:endParaRPr lang="en-GB"/>
           </a:p>
@@ -7929,12 +7949,20 @@
           </a:lstStyle>
           <a:p>
             <a:r>
+              <a:rPr lang="en-US" dirty="0">
+                <a:solidFill>
+                  <a:schemeClr val="bg1"/>
+                </a:solidFill>
+              </a:rPr>
+              <a:t>2</a:t>
+            </a:r>
+            <a:r>
               <a:rPr lang="en-US" dirty="0" smtClean="0">
                 <a:solidFill>
                   <a:schemeClr val="bg1"/>
                 </a:solidFill>
               </a:rPr>
-              <a:t>2/10</a:t>
+              <a:t>/10</a:t>
             </a:r>
             <a:endParaRPr lang="en-GB" dirty="0">
               <a:solidFill>
@@ -7952,8 +7980,8 @@
         </p:nvSpPr>
         <p:spPr>
           <a:xfrm>
-            <a:off x="2455653" y="1901952"/>
-            <a:ext cx="8042119" cy="4031873"/>
+            <a:off x="1352046" y="1749659"/>
+            <a:ext cx="9803634" cy="3970318"/>
           </a:xfrm>
           <a:prstGeom prst="rect">
             <a:avLst/>
@@ -7966,110 +7994,161 @@
           </a:bodyPr>
           <a:lstStyle/>
           <a:p>
-            <a:endParaRPr lang="en-US" sz="3200" dirty="0" smtClean="0"/>
-          </a:p>
-          <a:p>
-            <a:pPr marL="285750" indent="-285750">
+            <a:pPr marL="342900" indent="-342900">
               <a:buFont typeface="Arial" panose="020B0604020202020204" pitchFamily="34" charset="0"/>
               <a:buChar char="•"/>
             </a:pPr>
             <a:r>
-              <a:rPr lang="en-US" sz="3200" b="1" smtClean="0">
+              <a:rPr lang="en-US" sz="2400" b="1" dirty="0" smtClean="0">
                 <a:solidFill>
                   <a:schemeClr val="bg1"/>
                 </a:solidFill>
               </a:rPr>
-              <a:t>Abstract</a:t>
+              <a:t>How often do you donate blood? </a:t>
             </a:r>
-            <a:endParaRPr lang="en-US" sz="3200" b="1" dirty="0">
+          </a:p>
+          <a:p>
+            <a:pPr marL="342900" indent="-342900">
+              <a:buFont typeface="Arial" panose="020B0604020202020204" pitchFamily="34" charset="0"/>
+              <a:buChar char="•"/>
+            </a:pPr>
+            <a:r>
+              <a:rPr lang="en-US" sz="2400" b="1" dirty="0" smtClean="0">
+                <a:solidFill>
+                  <a:schemeClr val="bg1"/>
+                </a:solidFill>
+              </a:rPr>
+              <a:t>Do you know where you can donate it?</a:t>
+            </a:r>
+          </a:p>
+          <a:p>
+            <a:pPr marL="342900" indent="-342900">
+              <a:buFont typeface="Arial" panose="020B0604020202020204" pitchFamily="34" charset="0"/>
+              <a:buChar char="•"/>
+            </a:pPr>
+            <a:endParaRPr lang="en-US" sz="2400" b="1" dirty="0">
               <a:solidFill>
                 <a:schemeClr val="bg1"/>
               </a:solidFill>
             </a:endParaRPr>
           </a:p>
           <a:p>
-            <a:pPr marL="285750" indent="-285750">
+            <a:pPr marL="342900" indent="-342900">
               <a:buFont typeface="Arial" panose="020B0604020202020204" pitchFamily="34" charset="0"/>
               <a:buChar char="•"/>
             </a:pPr>
             <a:r>
-              <a:rPr lang="en-US" sz="3200" b="1" dirty="0" smtClean="0">
+              <a:rPr lang="en-US" sz="2000" dirty="0" smtClean="0">
                 <a:solidFill>
                   <a:schemeClr val="bg1"/>
                 </a:solidFill>
               </a:rPr>
-              <a:t>Strategy </a:t>
+              <a:t>Provide health centers support in blood transfusion process by:</a:t>
             </a:r>
+          </a:p>
+          <a:p>
+            <a:pPr marL="800100" lvl="1" indent="-342900">
+              <a:buFont typeface="Wingdings" panose="05000000000000000000" pitchFamily="2" charset="2"/>
+              <a:buChar char="§"/>
+            </a:pPr>
             <a:r>
-              <a:rPr lang="en-US" sz="3200" b="1" dirty="0">
+              <a:rPr lang="en-US" sz="2000" dirty="0" smtClean="0">
                 <a:solidFill>
                   <a:schemeClr val="bg1"/>
                 </a:solidFill>
               </a:rPr>
-              <a:t>and work packages</a:t>
+              <a:t>simplifying creation of an instant alert for donors about low blood supplies</a:t>
             </a:r>
           </a:p>
           <a:p>
-            <a:pPr marL="285750" indent="-285750">
+            <a:endParaRPr lang="en-US" sz="2000" dirty="0">
+              <a:solidFill>
+                <a:schemeClr val="bg1"/>
+              </a:solidFill>
+            </a:endParaRPr>
+          </a:p>
+          <a:p>
+            <a:pPr marL="342900" indent="-342900">
               <a:buFont typeface="Arial" panose="020B0604020202020204" pitchFamily="34" charset="0"/>
               <a:buChar char="•"/>
             </a:pPr>
             <a:r>
-              <a:rPr lang="en-US" sz="3200" b="1" dirty="0">
+              <a:rPr lang="en-US" sz="2000" dirty="0" smtClean="0">
                 <a:solidFill>
                   <a:schemeClr val="bg1"/>
                 </a:solidFill>
               </a:rPr>
-              <a:t>Participants</a:t>
+              <a:t>Provide donors support in blood transfusion process by:</a:t>
             </a:r>
           </a:p>
           <a:p>
-            <a:pPr marL="285750" indent="-285750">
+            <a:pPr marL="800100" lvl="1" indent="-342900">
+              <a:buFont typeface="Wingdings" panose="05000000000000000000" pitchFamily="2" charset="2"/>
+              <a:buChar char="§"/>
+            </a:pPr>
+            <a:r>
+              <a:rPr lang="en-US" sz="2000" dirty="0">
+                <a:solidFill>
+                  <a:schemeClr val="bg1"/>
+                </a:solidFill>
+              </a:rPr>
+              <a:t>p</a:t>
+            </a:r>
+            <a:r>
+              <a:rPr lang="en-US" sz="2000" dirty="0" smtClean="0">
+                <a:solidFill>
+                  <a:schemeClr val="bg1"/>
+                </a:solidFill>
+              </a:rPr>
+              <a:t>roviding access to the database of health centers in need for blood </a:t>
+            </a:r>
+          </a:p>
+          <a:p>
+            <a:pPr marL="800100" lvl="1" indent="-342900">
+              <a:buFont typeface="Wingdings" panose="05000000000000000000" pitchFamily="2" charset="2"/>
+              <a:buChar char="§"/>
+            </a:pPr>
+            <a:r>
+              <a:rPr lang="en-US" sz="2000" dirty="0" smtClean="0">
+                <a:solidFill>
+                  <a:schemeClr val="bg1"/>
+                </a:solidFill>
+              </a:rPr>
+              <a:t>providing useful information and guidance through transfusion process</a:t>
+            </a:r>
+          </a:p>
+          <a:p>
+            <a:pPr marL="342900" indent="-342900">
               <a:buFont typeface="Arial" panose="020B0604020202020204" pitchFamily="34" charset="0"/>
               <a:buChar char="•"/>
             </a:pPr>
-            <a:r>
-              <a:rPr lang="en-US" sz="3200" b="1" dirty="0" smtClean="0">
-                <a:solidFill>
-                  <a:schemeClr val="bg1"/>
-                </a:solidFill>
-              </a:rPr>
-              <a:t>Resource plan</a:t>
-            </a:r>
-            <a:endParaRPr lang="en-US" sz="3200" b="1" dirty="0">
+            <a:endParaRPr lang="en-US" sz="2000" dirty="0" smtClean="0">
               <a:solidFill>
                 <a:schemeClr val="bg1"/>
               </a:solidFill>
             </a:endParaRPr>
           </a:p>
           <a:p>
-            <a:pPr marL="285750" indent="-285750">
-              <a:buFont typeface="Arial" panose="020B0604020202020204" pitchFamily="34" charset="0"/>
-              <a:buChar char="•"/>
-            </a:pPr>
             <a:r>
-              <a:rPr lang="en-US" sz="3200" b="1" dirty="0">
+              <a:rPr lang="en-GB" sz="2000" i="1" dirty="0">
                 <a:solidFill>
                   <a:schemeClr val="bg1"/>
                 </a:solidFill>
               </a:rPr>
-              <a:t>Impact</a:t>
+              <a:t>	</a:t>
             </a:r>
-            <a:endParaRPr lang="en-GB" sz="3200" b="1" dirty="0">
+            <a:endParaRPr lang="en-GB" sz="2000" dirty="0">
               <a:solidFill>
                 <a:schemeClr val="bg1"/>
               </a:solidFill>
             </a:endParaRPr>
           </a:p>
           <a:p>
-            <a:r>
-              <a:rPr lang="en-GB" sz="3200" dirty="0"/>
-              <a:t/>
-            </a:r>
-            <a:br>
-              <a:rPr lang="en-GB" sz="3200" dirty="0"/>
-            </a:br>
-            <a:endParaRPr lang="en-GB" sz="3200" dirty="0"/>
+            <a:endParaRPr lang="en-GB" sz="2000" dirty="0">
+              <a:solidFill>
+                <a:schemeClr val="bg1"/>
+              </a:solidFill>
+            </a:endParaRPr>
           </a:p>
         </p:txBody>
       </p:sp>
@@ -8081,7 +8160,7 @@
         </p:nvSpPr>
         <p:spPr>
           <a:xfrm>
-            <a:off x="1352046" y="475488"/>
+            <a:off x="1352046" y="456997"/>
             <a:ext cx="7162225" cy="1292662"/>
           </a:xfrm>
           <a:prstGeom prst="rect">
@@ -8096,7 +8175,7 @@
           <a:lstStyle/>
           <a:p>
             <a:r>
-              <a:rPr lang="en-GB" sz="6000" b="1" dirty="0">
+              <a:rPr lang="en-US" sz="6000" b="1" dirty="0" smtClean="0">
                 <a:solidFill>
                   <a:schemeClr val="bg1"/>
                 </a:solidFill>
@@ -8104,8 +8183,16 @@
                 <a:ea typeface="+mj-ea"/>
                 <a:cs typeface="+mj-cs"/>
               </a:rPr>
-              <a:t>Table of contents</a:t>
+              <a:t>Abstract</a:t>
             </a:r>
+            <a:endParaRPr lang="en-GB" sz="6000" b="1" dirty="0">
+              <a:solidFill>
+                <a:schemeClr val="bg1"/>
+              </a:solidFill>
+              <a:latin typeface="+mj-lt"/>
+              <a:ea typeface="+mj-ea"/>
+              <a:cs typeface="+mj-cs"/>
+            </a:endParaRPr>
           </a:p>
           <a:p>
             <a:endParaRPr lang="en-GB" dirty="0"/>
@@ -8115,7 +8202,7 @@
     </p:spTree>
     <p:extLst>
       <p:ext uri="{BB962C8B-B14F-4D97-AF65-F5344CB8AC3E}">
-        <p14:creationId xmlns:p14="http://schemas.microsoft.com/office/powerpoint/2010/main" val="3935290201"/>
+        <p14:creationId xmlns:p14="http://schemas.microsoft.com/office/powerpoint/2010/main" val="3881364040"/>
       </p:ext>
     </p:extLst>
   </p:cSld>
@@ -8587,12 +8674,20 @@
           </a:lstStyle>
           <a:p>
             <a:r>
+              <a:rPr lang="en-US" dirty="0">
+                <a:solidFill>
+                  <a:schemeClr val="bg1"/>
+                </a:solidFill>
+              </a:rPr>
+              <a:t>3</a:t>
+            </a:r>
+            <a:r>
               <a:rPr lang="en-US" dirty="0" smtClean="0">
                 <a:solidFill>
                   <a:schemeClr val="bg1"/>
                 </a:solidFill>
               </a:rPr>
-              <a:t>3/10</a:t>
+              <a:t>/10</a:t>
             </a:r>
             <a:endParaRPr lang="en-GB" dirty="0">
               <a:solidFill>
@@ -8604,14 +8699,14 @@
       </p:sp>
       <p:sp>
         <p:nvSpPr>
-          <p:cNvPr id="5" name="TextBox 4"/>
+          <p:cNvPr id="6" name="TextBox 5"/>
           <p:cNvSpPr txBox="1"/>
           <p:nvPr/>
         </p:nvSpPr>
         <p:spPr>
           <a:xfrm>
-            <a:off x="1352046" y="1749659"/>
-            <a:ext cx="9803634" cy="3970318"/>
+            <a:off x="1352046" y="475488"/>
+            <a:ext cx="8887509" cy="1015663"/>
           </a:xfrm>
           <a:prstGeom prst="rect">
             <a:avLst/>
@@ -8624,174 +8719,30 @@
           </a:bodyPr>
           <a:lstStyle/>
           <a:p>
-            <a:pPr marL="342900" indent="-342900">
-              <a:buFont typeface="Arial" panose="020B0604020202020204" pitchFamily="34" charset="0"/>
-              <a:buChar char="•"/>
-            </a:pPr>
             <a:r>
-              <a:rPr lang="en-US" sz="2400" b="1" dirty="0" smtClean="0">
+              <a:rPr lang="en-GB" sz="6000" b="1" dirty="0" smtClean="0">
                 <a:solidFill>
                   <a:schemeClr val="bg1"/>
                 </a:solidFill>
+                <a:latin typeface="+mj-lt"/>
+                <a:ea typeface="+mj-ea"/>
+                <a:cs typeface="+mj-cs"/>
               </a:rPr>
-              <a:t>How often do you donate blood? </a:t>
+              <a:t>Participants</a:t>
             </a:r>
-          </a:p>
-          <a:p>
-            <a:pPr marL="342900" indent="-342900">
-              <a:buFont typeface="Arial" panose="020B0604020202020204" pitchFamily="34" charset="0"/>
-              <a:buChar char="•"/>
-            </a:pPr>
-            <a:r>
-              <a:rPr lang="en-US" sz="2400" b="1" dirty="0" smtClean="0">
-                <a:solidFill>
-                  <a:schemeClr val="bg1"/>
-                </a:solidFill>
-              </a:rPr>
-              <a:t>Do you know where you can donate it?</a:t>
-            </a:r>
-          </a:p>
-          <a:p>
-            <a:pPr marL="342900" indent="-342900">
-              <a:buFont typeface="Arial" panose="020B0604020202020204" pitchFamily="34" charset="0"/>
-              <a:buChar char="•"/>
-            </a:pPr>
-            <a:endParaRPr lang="en-US" sz="2400" b="1" dirty="0">
-              <a:solidFill>
-                <a:schemeClr val="bg1"/>
-              </a:solidFill>
-            </a:endParaRPr>
-          </a:p>
-          <a:p>
-            <a:pPr marL="342900" indent="-342900">
-              <a:buFont typeface="Arial" panose="020B0604020202020204" pitchFamily="34" charset="0"/>
-              <a:buChar char="•"/>
-            </a:pPr>
-            <a:r>
-              <a:rPr lang="en-US" sz="2000" dirty="0" smtClean="0">
-                <a:solidFill>
-                  <a:schemeClr val="bg1"/>
-                </a:solidFill>
-              </a:rPr>
-              <a:t>Provide health centers support in blood transfusion process by:</a:t>
-            </a:r>
-          </a:p>
-          <a:p>
-            <a:pPr marL="800100" lvl="1" indent="-342900">
-              <a:buFont typeface="Wingdings" panose="05000000000000000000" pitchFamily="2" charset="2"/>
-              <a:buChar char="§"/>
-            </a:pPr>
-            <a:r>
-              <a:rPr lang="en-US" sz="2000" dirty="0" smtClean="0">
-                <a:solidFill>
-                  <a:schemeClr val="bg1"/>
-                </a:solidFill>
-              </a:rPr>
-              <a:t>simplifying creation of an instant alert for donors about low blood supplies</a:t>
-            </a:r>
-          </a:p>
-          <a:p>
-            <a:endParaRPr lang="en-US" sz="2000" dirty="0">
-              <a:solidFill>
-                <a:schemeClr val="bg1"/>
-              </a:solidFill>
-            </a:endParaRPr>
-          </a:p>
-          <a:p>
-            <a:pPr marL="342900" indent="-342900">
-              <a:buFont typeface="Arial" panose="020B0604020202020204" pitchFamily="34" charset="0"/>
-              <a:buChar char="•"/>
-            </a:pPr>
-            <a:r>
-              <a:rPr lang="en-US" sz="2000" dirty="0" smtClean="0">
-                <a:solidFill>
-                  <a:schemeClr val="bg1"/>
-                </a:solidFill>
-              </a:rPr>
-              <a:t>Provide donors support in blood transfusion process by:</a:t>
-            </a:r>
-          </a:p>
-          <a:p>
-            <a:pPr marL="800100" lvl="1" indent="-342900">
-              <a:buFont typeface="Wingdings" panose="05000000000000000000" pitchFamily="2" charset="2"/>
-              <a:buChar char="§"/>
-            </a:pPr>
-            <a:r>
-              <a:rPr lang="en-US" sz="2000" dirty="0">
-                <a:solidFill>
-                  <a:schemeClr val="bg1"/>
-                </a:solidFill>
-              </a:rPr>
-              <a:t>p</a:t>
-            </a:r>
-            <a:r>
-              <a:rPr lang="en-US" sz="2000" dirty="0" smtClean="0">
-                <a:solidFill>
-                  <a:schemeClr val="bg1"/>
-                </a:solidFill>
-              </a:rPr>
-              <a:t>roviding access to the database of health centers in need for blood </a:t>
-            </a:r>
-          </a:p>
-          <a:p>
-            <a:pPr marL="800100" lvl="1" indent="-342900">
-              <a:buFont typeface="Wingdings" panose="05000000000000000000" pitchFamily="2" charset="2"/>
-              <a:buChar char="§"/>
-            </a:pPr>
-            <a:r>
-              <a:rPr lang="en-US" sz="2000" dirty="0" smtClean="0">
-                <a:solidFill>
-                  <a:schemeClr val="bg1"/>
-                </a:solidFill>
-              </a:rPr>
-              <a:t>providing useful information and guidance through transfusion process</a:t>
-            </a:r>
-          </a:p>
-          <a:p>
-            <a:pPr marL="342900" indent="-342900">
-              <a:buFont typeface="Arial" panose="020B0604020202020204" pitchFamily="34" charset="0"/>
-              <a:buChar char="•"/>
-            </a:pPr>
-            <a:endParaRPr lang="en-US" sz="2000" dirty="0" smtClean="0">
-              <a:solidFill>
-                <a:schemeClr val="bg1"/>
-              </a:solidFill>
-            </a:endParaRPr>
-          </a:p>
-          <a:p>
-            <a:r>
-              <a:rPr lang="en-GB" sz="2000" i="1" dirty="0">
-                <a:solidFill>
-                  <a:schemeClr val="bg1"/>
-                </a:solidFill>
-              </a:rPr>
-              <a:t>	</a:t>
-            </a:r>
-            <a:endParaRPr lang="en-GB" sz="2000" dirty="0">
-              <a:solidFill>
-                <a:schemeClr val="bg1"/>
-              </a:solidFill>
-            </a:endParaRPr>
-          </a:p>
-          <a:p>
-            <a:endParaRPr lang="en-GB" sz="2000" dirty="0">
-              <a:solidFill>
-                <a:schemeClr val="bg1"/>
-              </a:solidFill>
-            </a:endParaRPr>
           </a:p>
         </p:txBody>
       </p:sp>
       <p:sp>
         <p:nvSpPr>
-          <p:cNvPr id="6" name="TextBox 5"/>
+          <p:cNvPr id="13" name="TextBox 12"/>
           <p:cNvSpPr txBox="1"/>
           <p:nvPr/>
         </p:nvSpPr>
         <p:spPr>
           <a:xfrm>
-            <a:off x="1352046" y="475488"/>
-            <a:ext cx="7162225" cy="1292662"/>
+            <a:off x="954977" y="2357718"/>
+            <a:ext cx="10813351" cy="1569660"/>
           </a:xfrm>
           <a:prstGeom prst="rect">
             <a:avLst/>
@@ -8804,35 +8755,58 @@
           </a:bodyPr>
           <a:lstStyle/>
           <a:p>
+            <a:pPr marL="285750" lvl="0" indent="-285750">
+              <a:buFont typeface="Arial" panose="020B0604020202020204" pitchFamily="34" charset="0"/>
+              <a:buChar char="•"/>
+            </a:pPr>
             <a:r>
-              <a:rPr lang="en-US" sz="6000" b="1" dirty="0" smtClean="0">
+              <a:rPr lang="en-GB" sz="3200" dirty="0" smtClean="0">
                 <a:solidFill>
                   <a:schemeClr val="bg1"/>
                 </a:solidFill>
-                <a:latin typeface="+mj-lt"/>
-                <a:ea typeface="+mj-ea"/>
-                <a:cs typeface="+mj-cs"/>
               </a:rPr>
-              <a:t>Proposal abstract</a:t>
+              <a:t>MATF - Faculty of Mathematics, University of Belgrade</a:t>
             </a:r>
-            <a:endParaRPr lang="en-GB" sz="6000" b="1" dirty="0">
+          </a:p>
+          <a:p>
+            <a:pPr marL="285750" lvl="0" indent="-285750">
+              <a:buFont typeface="Arial" panose="020B0604020202020204" pitchFamily="34" charset="0"/>
+              <a:buChar char="•"/>
+            </a:pPr>
+            <a:r>
+              <a:rPr lang="en-US" sz="3200" dirty="0" smtClean="0">
+                <a:solidFill>
+                  <a:schemeClr val="bg1"/>
+                </a:solidFill>
+              </a:rPr>
+              <a:t>ITDM – IT Company from Serbia</a:t>
+            </a:r>
+          </a:p>
+          <a:p>
+            <a:pPr marL="285750" lvl="0" indent="-285750">
+              <a:buFont typeface="Arial" panose="020B0604020202020204" pitchFamily="34" charset="0"/>
+              <a:buChar char="•"/>
+            </a:pPr>
+            <a:r>
+              <a:rPr lang="en-US" sz="3200" dirty="0" smtClean="0">
+                <a:solidFill>
+                  <a:schemeClr val="bg1"/>
+                </a:solidFill>
+              </a:rPr>
+              <a:t>RCS – Red Cross of Serbia</a:t>
+            </a:r>
+            <a:endParaRPr lang="en-GB" sz="3200" dirty="0">
               <a:solidFill>
                 <a:schemeClr val="bg1"/>
               </a:solidFill>
-              <a:latin typeface="+mj-lt"/>
-              <a:ea typeface="+mj-ea"/>
-              <a:cs typeface="+mj-cs"/>
             </a:endParaRPr>
-          </a:p>
-          <a:p>
-            <a:endParaRPr lang="en-GB" dirty="0"/>
           </a:p>
         </p:txBody>
       </p:sp>
     </p:spTree>
     <p:extLst>
       <p:ext uri="{BB962C8B-B14F-4D97-AF65-F5344CB8AC3E}">
-        <p14:creationId xmlns:p14="http://schemas.microsoft.com/office/powerpoint/2010/main" val="3881364040"/>
+        <p14:creationId xmlns:p14="http://schemas.microsoft.com/office/powerpoint/2010/main" val="2065663906"/>
       </p:ext>
     </p:extLst>
   </p:cSld>
@@ -9335,7 +9309,7 @@
         </p:nvSpPr>
         <p:spPr>
           <a:xfrm>
-            <a:off x="1250830" y="1901952"/>
+            <a:off x="1112807" y="2102776"/>
             <a:ext cx="10813351" cy="3139321"/>
           </a:xfrm>
           <a:prstGeom prst="rect">
@@ -9487,12 +9461,28 @@
               <a:t>WP4 </a:t>
             </a:r>
             <a:r>
+              <a:rPr lang="en-GB" dirty="0" smtClean="0">
+                <a:solidFill>
+                  <a:schemeClr val="bg1"/>
+                </a:solidFill>
+              </a:rPr>
+              <a:t>– Development </a:t>
+            </a:r>
+            <a:r>
               <a:rPr lang="en-GB" dirty="0">
                 <a:solidFill>
                   <a:schemeClr val="bg1"/>
                 </a:solidFill>
               </a:rPr>
-              <a:t>- Development of admin user rights and actions </a:t>
+              <a:t>of admin user rights and actions </a:t>
+            </a:r>
+            <a:r>
+              <a:rPr lang="en-GB" dirty="0" smtClean="0">
+                <a:solidFill>
+                  <a:schemeClr val="bg1"/>
+                </a:solidFill>
+              </a:rPr>
+              <a:t>and test</a:t>
             </a:r>
             <a:endParaRPr lang="en-GB" dirty="0" smtClean="0">
               <a:solidFill>
@@ -9527,7 +9517,7 @@
                   <a:schemeClr val="bg1"/>
                 </a:solidFill>
               </a:rPr>
-              <a:t>actions</a:t>
+              <a:t>actions and test</a:t>
             </a:r>
             <a:endParaRPr lang="en-GB" dirty="0">
               <a:solidFill>
@@ -10145,7 +10135,7 @@
             <p:nvPr>
               <p:extLst>
                 <p:ext uri="{D42A27DB-BD31-4B8C-83A1-F6EECF244321}">
-                  <p14:modId xmlns:p14="http://schemas.microsoft.com/office/powerpoint/2010/main" val="1609758937"/>
+                  <p14:modId xmlns:p14="http://schemas.microsoft.com/office/powerpoint/2010/main" val="444305922"/>
                 </p:ext>
               </p:extLst>
             </p:nvPr>
@@ -11070,608 +11060,12 @@
           </a:lstStyle>
           <a:p>
             <a:r>
-              <a:rPr lang="en-US" dirty="0" smtClean="0">
+              <a:rPr lang="en-US" dirty="0">
                 <a:solidFill>
                   <a:schemeClr val="bg1"/>
                 </a:solidFill>
               </a:rPr>
-              <a:t>6/10</a:t>
-            </a:r>
-            <a:endParaRPr lang="en-GB" dirty="0">
-              <a:solidFill>
-                <a:schemeClr val="bg1"/>
-              </a:solidFill>
-            </a:endParaRPr>
-          </a:p>
-        </p:txBody>
-      </p:sp>
-      <p:sp>
-        <p:nvSpPr>
-          <p:cNvPr id="6" name="TextBox 5"/>
-          <p:cNvSpPr txBox="1"/>
-          <p:nvPr/>
-        </p:nvSpPr>
-        <p:spPr>
-          <a:xfrm>
-            <a:off x="1352046" y="475488"/>
-            <a:ext cx="8887509" cy="1015663"/>
-          </a:xfrm>
-          <a:prstGeom prst="rect">
-            <a:avLst/>
-          </a:prstGeom>
-          <a:noFill/>
-        </p:spPr>
-        <p:txBody>
-          <a:bodyPr wrap="square" rtlCol="0">
-            <a:spAutoFit/>
-          </a:bodyPr>
-          <a:lstStyle/>
-          <a:p>
-            <a:r>
-              <a:rPr lang="en-GB" sz="6000" b="1" dirty="0" smtClean="0">
-                <a:solidFill>
-                  <a:schemeClr val="bg1"/>
-                </a:solidFill>
-                <a:latin typeface="+mj-lt"/>
-                <a:ea typeface="+mj-ea"/>
-                <a:cs typeface="+mj-cs"/>
-              </a:rPr>
-              <a:t>Participants</a:t>
-            </a:r>
-          </a:p>
-        </p:txBody>
-      </p:sp>
-      <p:sp>
-        <p:nvSpPr>
-          <p:cNvPr id="13" name="TextBox 12"/>
-          <p:cNvSpPr txBox="1"/>
-          <p:nvPr/>
-        </p:nvSpPr>
-        <p:spPr>
-          <a:xfrm>
-            <a:off x="954977" y="2357718"/>
-            <a:ext cx="10813351" cy="1569660"/>
-          </a:xfrm>
-          <a:prstGeom prst="rect">
-            <a:avLst/>
-          </a:prstGeom>
-          <a:noFill/>
-        </p:spPr>
-        <p:txBody>
-          <a:bodyPr wrap="square" rtlCol="0">
-            <a:spAutoFit/>
-          </a:bodyPr>
-          <a:lstStyle/>
-          <a:p>
-            <a:pPr marL="285750" lvl="0" indent="-285750">
-              <a:buFont typeface="Arial" panose="020B0604020202020204" pitchFamily="34" charset="0"/>
-              <a:buChar char="•"/>
-            </a:pPr>
-            <a:r>
-              <a:rPr lang="en-GB" sz="3200" dirty="0" smtClean="0">
-                <a:solidFill>
-                  <a:schemeClr val="bg1"/>
-                </a:solidFill>
-              </a:rPr>
-              <a:t>MATF - Faculty of Mathematics, University of Belgrade</a:t>
-            </a:r>
-          </a:p>
-          <a:p>
-            <a:pPr marL="285750" lvl="0" indent="-285750">
-              <a:buFont typeface="Arial" panose="020B0604020202020204" pitchFamily="34" charset="0"/>
-              <a:buChar char="•"/>
-            </a:pPr>
-            <a:r>
-              <a:rPr lang="en-US" sz="3200" dirty="0" smtClean="0">
-                <a:solidFill>
-                  <a:schemeClr val="bg1"/>
-                </a:solidFill>
-              </a:rPr>
-              <a:t>ITDM – IT Company from Serbia</a:t>
-            </a:r>
-          </a:p>
-          <a:p>
-            <a:pPr marL="285750" lvl="0" indent="-285750">
-              <a:buFont typeface="Arial" panose="020B0604020202020204" pitchFamily="34" charset="0"/>
-              <a:buChar char="•"/>
-            </a:pPr>
-            <a:r>
-              <a:rPr lang="en-US" sz="3200" dirty="0" smtClean="0">
-                <a:solidFill>
-                  <a:schemeClr val="bg1"/>
-                </a:solidFill>
-              </a:rPr>
-              <a:t>RCS – Red Cross of Serbia</a:t>
-            </a:r>
-            <a:endParaRPr lang="en-GB" sz="3200" dirty="0">
-              <a:solidFill>
-                <a:schemeClr val="bg1"/>
-              </a:solidFill>
-            </a:endParaRPr>
-          </a:p>
-        </p:txBody>
-      </p:sp>
-    </p:spTree>
-    <p:extLst>
-      <p:ext uri="{BB962C8B-B14F-4D97-AF65-F5344CB8AC3E}">
-        <p14:creationId xmlns:p14="http://schemas.microsoft.com/office/powerpoint/2010/main" val="2065663906"/>
-      </p:ext>
-    </p:extLst>
-  </p:cSld>
-  <p:clrMapOvr>
-    <a:masterClrMapping/>
-  </p:clrMapOvr>
-  <p:timing>
-    <p:tnLst>
-      <p:par>
-        <p:cTn id="1" dur="indefinite" restart="never" nodeType="tmRoot"/>
-      </p:par>
-    </p:tnLst>
-  </p:timing>
-</p:sld>
-</file>
-
-<file path=ppt/slides/slide7.xml><?xml version="1.0" encoding="utf-8"?>
-<p:sld xmlns:a="http://schemas.openxmlformats.org/drawingml/2006/main" xmlns:r="http://schemas.openxmlformats.org/officeDocument/2006/relationships" xmlns:p="http://schemas.openxmlformats.org/presentationml/2006/main">
-  <p:cSld>
-    <p:bg>
-      <p:bgPr>
-        <a:solidFill>
-          <a:srgbClr val="2AC4AA"/>
-        </a:solidFill>
-        <a:effectLst/>
-      </p:bgPr>
-    </p:bg>
-    <p:spTree>
-      <p:nvGrpSpPr>
-        <p:cNvPr id="1" name=""/>
-        <p:cNvGrpSpPr/>
-        <p:nvPr/>
-      </p:nvGrpSpPr>
-      <p:grpSpPr>
-        <a:xfrm>
-          <a:off x="0" y="0"/>
-          <a:ext cx="0" cy="0"/>
-          <a:chOff x="0" y="0"/>
-          <a:chExt cx="0" cy="0"/>
-        </a:xfrm>
-      </p:grpSpPr>
-      <p:grpSp>
-        <p:nvGrpSpPr>
-          <p:cNvPr id="19" name="Group 18"/>
-          <p:cNvGrpSpPr/>
-          <p:nvPr/>
-        </p:nvGrpSpPr>
-        <p:grpSpPr>
-          <a:xfrm>
-            <a:off x="10149840" y="0"/>
-            <a:ext cx="2042160" cy="1901952"/>
-            <a:chOff x="10149840" y="0"/>
-            <a:chExt cx="2042160" cy="1901952"/>
-          </a:xfrm>
-        </p:grpSpPr>
-        <p:cxnSp>
-          <p:nvCxnSpPr>
-            <p:cNvPr id="7" name="Straight Connector 6"/>
-            <p:cNvCxnSpPr/>
-            <p:nvPr/>
-          </p:nvCxnSpPr>
-          <p:spPr>
-            <a:xfrm>
-              <a:off x="11155680" y="0"/>
-              <a:ext cx="1036320" cy="950976"/>
-            </a:xfrm>
-            <a:prstGeom prst="line">
-              <a:avLst/>
-            </a:prstGeom>
-            <a:ln w="60325">
-              <a:solidFill>
-                <a:srgbClr val="DA998E"/>
-              </a:solidFill>
-            </a:ln>
-          </p:spPr>
-          <p:style>
-            <a:lnRef idx="1">
-              <a:schemeClr val="accent1"/>
-            </a:lnRef>
-            <a:fillRef idx="0">
-              <a:schemeClr val="accent1"/>
-            </a:fillRef>
-            <a:effectRef idx="0">
-              <a:schemeClr val="accent1"/>
-            </a:effectRef>
-            <a:fontRef idx="minor">
-              <a:schemeClr val="tx1"/>
-            </a:fontRef>
-          </p:style>
-        </p:cxnSp>
-        <p:cxnSp>
-          <p:nvCxnSpPr>
-            <p:cNvPr id="8" name="Straight Connector 7"/>
-            <p:cNvCxnSpPr/>
-            <p:nvPr/>
-          </p:nvCxnSpPr>
-          <p:spPr>
-            <a:xfrm>
-              <a:off x="10668000" y="0"/>
-              <a:ext cx="1524000" cy="1414272"/>
-            </a:xfrm>
-            <a:prstGeom prst="line">
-              <a:avLst/>
-            </a:prstGeom>
-            <a:ln w="60325">
-              <a:solidFill>
-                <a:srgbClr val="DA998E"/>
-              </a:solidFill>
-            </a:ln>
-          </p:spPr>
-          <p:style>
-            <a:lnRef idx="1">
-              <a:schemeClr val="accent1"/>
-            </a:lnRef>
-            <a:fillRef idx="0">
-              <a:schemeClr val="accent1"/>
-            </a:fillRef>
-            <a:effectRef idx="0">
-              <a:schemeClr val="accent1"/>
-            </a:effectRef>
-            <a:fontRef idx="minor">
-              <a:schemeClr val="tx1"/>
-            </a:fontRef>
-          </p:style>
-        </p:cxnSp>
-        <p:cxnSp>
-          <p:nvCxnSpPr>
-            <p:cNvPr id="11" name="Straight Connector 10"/>
-            <p:cNvCxnSpPr/>
-            <p:nvPr/>
-          </p:nvCxnSpPr>
-          <p:spPr>
-            <a:xfrm>
-              <a:off x="10149840" y="0"/>
-              <a:ext cx="2042160" cy="1901952"/>
-            </a:xfrm>
-            <a:prstGeom prst="line">
-              <a:avLst/>
-            </a:prstGeom>
-            <a:ln w="60325">
-              <a:solidFill>
-                <a:srgbClr val="DA998E"/>
-              </a:solidFill>
-            </a:ln>
-          </p:spPr>
-          <p:style>
-            <a:lnRef idx="1">
-              <a:schemeClr val="accent1"/>
-            </a:lnRef>
-            <a:fillRef idx="0">
-              <a:schemeClr val="accent1"/>
-            </a:fillRef>
-            <a:effectRef idx="0">
-              <a:schemeClr val="accent1"/>
-            </a:effectRef>
-            <a:fontRef idx="minor">
-              <a:schemeClr val="tx1"/>
-            </a:fontRef>
-          </p:style>
-        </p:cxnSp>
-      </p:grpSp>
-      <p:grpSp>
-        <p:nvGrpSpPr>
-          <p:cNvPr id="18" name="Group 17"/>
-          <p:cNvGrpSpPr/>
-          <p:nvPr/>
-        </p:nvGrpSpPr>
-        <p:grpSpPr>
-          <a:xfrm rot="10800000">
-            <a:off x="0" y="4956048"/>
-            <a:ext cx="2042160" cy="1901952"/>
-            <a:chOff x="0" y="4956048"/>
-            <a:chExt cx="2042160" cy="1901952"/>
-          </a:xfrm>
-        </p:grpSpPr>
-        <p:cxnSp>
-          <p:nvCxnSpPr>
-            <p:cNvPr id="15" name="Straight Connector 14"/>
-            <p:cNvCxnSpPr/>
-            <p:nvPr/>
-          </p:nvCxnSpPr>
-          <p:spPr>
-            <a:xfrm>
-              <a:off x="1005840" y="4956048"/>
-              <a:ext cx="1036320" cy="950976"/>
-            </a:xfrm>
-            <a:prstGeom prst="line">
-              <a:avLst/>
-            </a:prstGeom>
-            <a:ln w="60325">
-              <a:solidFill>
-                <a:srgbClr val="DA998E"/>
-              </a:solidFill>
-            </a:ln>
-          </p:spPr>
-          <p:style>
-            <a:lnRef idx="1">
-              <a:schemeClr val="accent1"/>
-            </a:lnRef>
-            <a:fillRef idx="0">
-              <a:schemeClr val="accent1"/>
-            </a:fillRef>
-            <a:effectRef idx="0">
-              <a:schemeClr val="accent1"/>
-            </a:effectRef>
-            <a:fontRef idx="minor">
-              <a:schemeClr val="tx1"/>
-            </a:fontRef>
-          </p:style>
-        </p:cxnSp>
-        <p:cxnSp>
-          <p:nvCxnSpPr>
-            <p:cNvPr id="16" name="Straight Connector 15"/>
-            <p:cNvCxnSpPr/>
-            <p:nvPr/>
-          </p:nvCxnSpPr>
-          <p:spPr>
-            <a:xfrm>
-              <a:off x="518160" y="4956048"/>
-              <a:ext cx="1524000" cy="1414272"/>
-            </a:xfrm>
-            <a:prstGeom prst="line">
-              <a:avLst/>
-            </a:prstGeom>
-            <a:ln w="60325">
-              <a:solidFill>
-                <a:srgbClr val="DA998E"/>
-              </a:solidFill>
-            </a:ln>
-          </p:spPr>
-          <p:style>
-            <a:lnRef idx="1">
-              <a:schemeClr val="accent1"/>
-            </a:lnRef>
-            <a:fillRef idx="0">
-              <a:schemeClr val="accent1"/>
-            </a:fillRef>
-            <a:effectRef idx="0">
-              <a:schemeClr val="accent1"/>
-            </a:effectRef>
-            <a:fontRef idx="minor">
-              <a:schemeClr val="tx1"/>
-            </a:fontRef>
-          </p:style>
-        </p:cxnSp>
-        <p:cxnSp>
-          <p:nvCxnSpPr>
-            <p:cNvPr id="17" name="Straight Connector 16"/>
-            <p:cNvCxnSpPr/>
-            <p:nvPr/>
-          </p:nvCxnSpPr>
-          <p:spPr>
-            <a:xfrm>
-              <a:off x="0" y="4956048"/>
-              <a:ext cx="2042160" cy="1901952"/>
-            </a:xfrm>
-            <a:prstGeom prst="line">
-              <a:avLst/>
-            </a:prstGeom>
-            <a:ln w="60325">
-              <a:solidFill>
-                <a:srgbClr val="DA998E"/>
-              </a:solidFill>
-            </a:ln>
-          </p:spPr>
-          <p:style>
-            <a:lnRef idx="1">
-              <a:schemeClr val="accent1"/>
-            </a:lnRef>
-            <a:fillRef idx="0">
-              <a:schemeClr val="accent1"/>
-            </a:fillRef>
-            <a:effectRef idx="0">
-              <a:schemeClr val="accent1"/>
-            </a:effectRef>
-            <a:fontRef idx="minor">
-              <a:schemeClr val="tx1"/>
-            </a:fontRef>
-          </p:style>
-        </p:cxnSp>
-      </p:grpSp>
-      <p:sp>
-        <p:nvSpPr>
-          <p:cNvPr id="20" name="Subtitle 2"/>
-          <p:cNvSpPr txBox="1">
-            <a:spLocks/>
-          </p:cNvSpPr>
-          <p:nvPr/>
-        </p:nvSpPr>
-        <p:spPr>
-          <a:xfrm>
-            <a:off x="11344656" y="6461760"/>
-            <a:ext cx="847344" cy="396240"/>
-          </a:xfrm>
-          <a:prstGeom prst="rect">
-            <a:avLst/>
-          </a:prstGeom>
-          <a:solidFill>
-            <a:srgbClr val="2AC4AA"/>
-          </a:solidFill>
-        </p:spPr>
-        <p:txBody>
-          <a:bodyPr vert="horz" lIns="91440" tIns="45720" rIns="91440" bIns="45720" rtlCol="0">
-            <a:normAutofit lnSpcReduction="10000"/>
-          </a:bodyPr>
-          <a:lstStyle>
-            <a:lvl1pPr marL="0" indent="0" algn="ctr" defTabSz="914400" rtl="0" eaLnBrk="1" latinLnBrk="0" hangingPunct="1">
-              <a:lnSpc>
-                <a:spcPct val="90000"/>
-              </a:lnSpc>
-              <a:spcBef>
-                <a:spcPts val="1000"/>
-              </a:spcBef>
-              <a:buFont typeface="Arial" panose="020B0604020202020204" pitchFamily="34" charset="0"/>
-              <a:buNone/>
-              <a:defRPr sz="2400" kern="1200">
-                <a:solidFill>
-                  <a:schemeClr val="tx1"/>
-                </a:solidFill>
-                <a:latin typeface="+mn-lt"/>
-                <a:ea typeface="+mn-ea"/>
-                <a:cs typeface="+mn-cs"/>
-              </a:defRPr>
-            </a:lvl1pPr>
-            <a:lvl2pPr marL="457200" indent="0" algn="ctr" defTabSz="914400" rtl="0" eaLnBrk="1" latinLnBrk="0" hangingPunct="1">
-              <a:lnSpc>
-                <a:spcPct val="90000"/>
-              </a:lnSpc>
-              <a:spcBef>
-                <a:spcPts val="500"/>
-              </a:spcBef>
-              <a:buFont typeface="Arial" panose="020B0604020202020204" pitchFamily="34" charset="0"/>
-              <a:buNone/>
-              <a:defRPr sz="2000" kern="1200">
-                <a:solidFill>
-                  <a:schemeClr val="tx1"/>
-                </a:solidFill>
-                <a:latin typeface="+mn-lt"/>
-                <a:ea typeface="+mn-ea"/>
-                <a:cs typeface="+mn-cs"/>
-              </a:defRPr>
-            </a:lvl2pPr>
-            <a:lvl3pPr marL="914400" indent="0" algn="ctr" defTabSz="914400" rtl="0" eaLnBrk="1" latinLnBrk="0" hangingPunct="1">
-              <a:lnSpc>
-                <a:spcPct val="90000"/>
-              </a:lnSpc>
-              <a:spcBef>
-                <a:spcPts val="500"/>
-              </a:spcBef>
-              <a:buFont typeface="Arial" panose="020B0604020202020204" pitchFamily="34" charset="0"/>
-              <a:buNone/>
-              <a:defRPr sz="1800" kern="1200">
-                <a:solidFill>
-                  <a:schemeClr val="tx1"/>
-                </a:solidFill>
-                <a:latin typeface="+mn-lt"/>
-                <a:ea typeface="+mn-ea"/>
-                <a:cs typeface="+mn-cs"/>
-              </a:defRPr>
-            </a:lvl3pPr>
-            <a:lvl4pPr marL="1371600" indent="0" algn="ctr" defTabSz="914400" rtl="0" eaLnBrk="1" latinLnBrk="0" hangingPunct="1">
-              <a:lnSpc>
-                <a:spcPct val="90000"/>
-              </a:lnSpc>
-              <a:spcBef>
-                <a:spcPts val="500"/>
-              </a:spcBef>
-              <a:buFont typeface="Arial" panose="020B0604020202020204" pitchFamily="34" charset="0"/>
-              <a:buNone/>
-              <a:defRPr sz="1600" kern="1200">
-                <a:solidFill>
-                  <a:schemeClr val="tx1"/>
-                </a:solidFill>
-                <a:latin typeface="+mn-lt"/>
-                <a:ea typeface="+mn-ea"/>
-                <a:cs typeface="+mn-cs"/>
-              </a:defRPr>
-            </a:lvl4pPr>
-            <a:lvl5pPr marL="1828800" indent="0" algn="ctr" defTabSz="914400" rtl="0" eaLnBrk="1" latinLnBrk="0" hangingPunct="1">
-              <a:lnSpc>
-                <a:spcPct val="90000"/>
-              </a:lnSpc>
-              <a:spcBef>
-                <a:spcPts val="500"/>
-              </a:spcBef>
-              <a:buFont typeface="Arial" panose="020B0604020202020204" pitchFamily="34" charset="0"/>
-              <a:buNone/>
-              <a:defRPr sz="1600" kern="1200">
-                <a:solidFill>
-                  <a:schemeClr val="tx1"/>
-                </a:solidFill>
-                <a:latin typeface="+mn-lt"/>
-                <a:ea typeface="+mn-ea"/>
-                <a:cs typeface="+mn-cs"/>
-              </a:defRPr>
-            </a:lvl5pPr>
-            <a:lvl6pPr marL="2286000" indent="0" algn="ctr" defTabSz="914400" rtl="0" eaLnBrk="1" latinLnBrk="0" hangingPunct="1">
-              <a:lnSpc>
-                <a:spcPct val="90000"/>
-              </a:lnSpc>
-              <a:spcBef>
-                <a:spcPts val="500"/>
-              </a:spcBef>
-              <a:buFont typeface="Arial" panose="020B0604020202020204" pitchFamily="34" charset="0"/>
-              <a:buNone/>
-              <a:defRPr sz="1600" kern="1200">
-                <a:solidFill>
-                  <a:schemeClr val="tx1"/>
-                </a:solidFill>
-                <a:latin typeface="+mn-lt"/>
-                <a:ea typeface="+mn-ea"/>
-                <a:cs typeface="+mn-cs"/>
-              </a:defRPr>
-            </a:lvl6pPr>
-            <a:lvl7pPr marL="2743200" indent="0" algn="ctr" defTabSz="914400" rtl="0" eaLnBrk="1" latinLnBrk="0" hangingPunct="1">
-              <a:lnSpc>
-                <a:spcPct val="90000"/>
-              </a:lnSpc>
-              <a:spcBef>
-                <a:spcPts val="500"/>
-              </a:spcBef>
-              <a:buFont typeface="Arial" panose="020B0604020202020204" pitchFamily="34" charset="0"/>
-              <a:buNone/>
-              <a:defRPr sz="1600" kern="1200">
-                <a:solidFill>
-                  <a:schemeClr val="tx1"/>
-                </a:solidFill>
-                <a:latin typeface="+mn-lt"/>
-                <a:ea typeface="+mn-ea"/>
-                <a:cs typeface="+mn-cs"/>
-              </a:defRPr>
-            </a:lvl7pPr>
-            <a:lvl8pPr marL="3200400" indent="0" algn="ctr" defTabSz="914400" rtl="0" eaLnBrk="1" latinLnBrk="0" hangingPunct="1">
-              <a:lnSpc>
-                <a:spcPct val="90000"/>
-              </a:lnSpc>
-              <a:spcBef>
-                <a:spcPts val="500"/>
-              </a:spcBef>
-              <a:buFont typeface="Arial" panose="020B0604020202020204" pitchFamily="34" charset="0"/>
-              <a:buNone/>
-              <a:defRPr sz="1600" kern="1200">
-                <a:solidFill>
-                  <a:schemeClr val="tx1"/>
-                </a:solidFill>
-                <a:latin typeface="+mn-lt"/>
-                <a:ea typeface="+mn-ea"/>
-                <a:cs typeface="+mn-cs"/>
-              </a:defRPr>
-            </a:lvl8pPr>
-            <a:lvl9pPr marL="3657600" indent="0" algn="ctr" defTabSz="914400" rtl="0" eaLnBrk="1" latinLnBrk="0" hangingPunct="1">
-              <a:lnSpc>
-                <a:spcPct val="90000"/>
-              </a:lnSpc>
-              <a:spcBef>
-                <a:spcPts val="500"/>
-              </a:spcBef>
-              <a:buFont typeface="Arial" panose="020B0604020202020204" pitchFamily="34" charset="0"/>
-              <a:buNone/>
-              <a:defRPr sz="1600" kern="1200">
-                <a:solidFill>
-                  <a:schemeClr val="tx1"/>
-                </a:solidFill>
-                <a:latin typeface="+mn-lt"/>
-                <a:ea typeface="+mn-ea"/>
-                <a:cs typeface="+mn-cs"/>
-              </a:defRPr>
-            </a:lvl9pPr>
-          </a:lstStyle>
-          <a:p>
-            <a:r>
-              <a:rPr lang="en-US" dirty="0">
-                <a:solidFill>
-                  <a:schemeClr val="bg1"/>
-                </a:solidFill>
-              </a:rPr>
-              <a:t>7</a:t>
+              <a:t>6</a:t>
             </a:r>
             <a:r>
               <a:rPr lang="en-US" dirty="0" smtClean="0">
@@ -13322,6 +12716,594 @@
 </p:sld>
 </file>
 
+<file path=ppt/slides/slide7.xml><?xml version="1.0" encoding="utf-8"?>
+<p:sld xmlns:a="http://schemas.openxmlformats.org/drawingml/2006/main" xmlns:r="http://schemas.openxmlformats.org/officeDocument/2006/relationships" xmlns:p="http://schemas.openxmlformats.org/presentationml/2006/main">
+  <p:cSld>
+    <p:bg>
+      <p:bgPr>
+        <a:solidFill>
+          <a:srgbClr val="2AC4AA"/>
+        </a:solidFill>
+        <a:effectLst/>
+      </p:bgPr>
+    </p:bg>
+    <p:spTree>
+      <p:nvGrpSpPr>
+        <p:cNvPr id="1" name=""/>
+        <p:cNvGrpSpPr/>
+        <p:nvPr/>
+      </p:nvGrpSpPr>
+      <p:grpSpPr>
+        <a:xfrm>
+          <a:off x="0" y="0"/>
+          <a:ext cx="0" cy="0"/>
+          <a:chOff x="0" y="0"/>
+          <a:chExt cx="0" cy="0"/>
+        </a:xfrm>
+      </p:grpSpPr>
+      <p:grpSp>
+        <p:nvGrpSpPr>
+          <p:cNvPr id="19" name="Group 18"/>
+          <p:cNvGrpSpPr/>
+          <p:nvPr/>
+        </p:nvGrpSpPr>
+        <p:grpSpPr>
+          <a:xfrm>
+            <a:off x="10149840" y="0"/>
+            <a:ext cx="2042160" cy="1901952"/>
+            <a:chOff x="10149840" y="0"/>
+            <a:chExt cx="2042160" cy="1901952"/>
+          </a:xfrm>
+        </p:grpSpPr>
+        <p:cxnSp>
+          <p:nvCxnSpPr>
+            <p:cNvPr id="7" name="Straight Connector 6"/>
+            <p:cNvCxnSpPr/>
+            <p:nvPr/>
+          </p:nvCxnSpPr>
+          <p:spPr>
+            <a:xfrm>
+              <a:off x="11155680" y="0"/>
+              <a:ext cx="1036320" cy="950976"/>
+            </a:xfrm>
+            <a:prstGeom prst="line">
+              <a:avLst/>
+            </a:prstGeom>
+            <a:ln w="60325">
+              <a:solidFill>
+                <a:srgbClr val="DA998E"/>
+              </a:solidFill>
+            </a:ln>
+          </p:spPr>
+          <p:style>
+            <a:lnRef idx="1">
+              <a:schemeClr val="accent1"/>
+            </a:lnRef>
+            <a:fillRef idx="0">
+              <a:schemeClr val="accent1"/>
+            </a:fillRef>
+            <a:effectRef idx="0">
+              <a:schemeClr val="accent1"/>
+            </a:effectRef>
+            <a:fontRef idx="minor">
+              <a:schemeClr val="tx1"/>
+            </a:fontRef>
+          </p:style>
+        </p:cxnSp>
+        <p:cxnSp>
+          <p:nvCxnSpPr>
+            <p:cNvPr id="8" name="Straight Connector 7"/>
+            <p:cNvCxnSpPr/>
+            <p:nvPr/>
+          </p:nvCxnSpPr>
+          <p:spPr>
+            <a:xfrm>
+              <a:off x="10668000" y="0"/>
+              <a:ext cx="1524000" cy="1414272"/>
+            </a:xfrm>
+            <a:prstGeom prst="line">
+              <a:avLst/>
+            </a:prstGeom>
+            <a:ln w="60325">
+              <a:solidFill>
+                <a:srgbClr val="DA998E"/>
+              </a:solidFill>
+            </a:ln>
+          </p:spPr>
+          <p:style>
+            <a:lnRef idx="1">
+              <a:schemeClr val="accent1"/>
+            </a:lnRef>
+            <a:fillRef idx="0">
+              <a:schemeClr val="accent1"/>
+            </a:fillRef>
+            <a:effectRef idx="0">
+              <a:schemeClr val="accent1"/>
+            </a:effectRef>
+            <a:fontRef idx="minor">
+              <a:schemeClr val="tx1"/>
+            </a:fontRef>
+          </p:style>
+        </p:cxnSp>
+        <p:cxnSp>
+          <p:nvCxnSpPr>
+            <p:cNvPr id="11" name="Straight Connector 10"/>
+            <p:cNvCxnSpPr/>
+            <p:nvPr/>
+          </p:nvCxnSpPr>
+          <p:spPr>
+            <a:xfrm>
+              <a:off x="10149840" y="0"/>
+              <a:ext cx="2042160" cy="1901952"/>
+            </a:xfrm>
+            <a:prstGeom prst="line">
+              <a:avLst/>
+            </a:prstGeom>
+            <a:ln w="60325">
+              <a:solidFill>
+                <a:srgbClr val="DA998E"/>
+              </a:solidFill>
+            </a:ln>
+          </p:spPr>
+          <p:style>
+            <a:lnRef idx="1">
+              <a:schemeClr val="accent1"/>
+            </a:lnRef>
+            <a:fillRef idx="0">
+              <a:schemeClr val="accent1"/>
+            </a:fillRef>
+            <a:effectRef idx="0">
+              <a:schemeClr val="accent1"/>
+            </a:effectRef>
+            <a:fontRef idx="minor">
+              <a:schemeClr val="tx1"/>
+            </a:fontRef>
+          </p:style>
+        </p:cxnSp>
+      </p:grpSp>
+      <p:grpSp>
+        <p:nvGrpSpPr>
+          <p:cNvPr id="18" name="Group 17"/>
+          <p:cNvGrpSpPr/>
+          <p:nvPr/>
+        </p:nvGrpSpPr>
+        <p:grpSpPr>
+          <a:xfrm rot="10800000">
+            <a:off x="0" y="4956048"/>
+            <a:ext cx="2042160" cy="1901952"/>
+            <a:chOff x="0" y="4956048"/>
+            <a:chExt cx="2042160" cy="1901952"/>
+          </a:xfrm>
+        </p:grpSpPr>
+        <p:cxnSp>
+          <p:nvCxnSpPr>
+            <p:cNvPr id="15" name="Straight Connector 14"/>
+            <p:cNvCxnSpPr/>
+            <p:nvPr/>
+          </p:nvCxnSpPr>
+          <p:spPr>
+            <a:xfrm>
+              <a:off x="1005840" y="4956048"/>
+              <a:ext cx="1036320" cy="950976"/>
+            </a:xfrm>
+            <a:prstGeom prst="line">
+              <a:avLst/>
+            </a:prstGeom>
+            <a:ln w="60325">
+              <a:solidFill>
+                <a:srgbClr val="DA998E"/>
+              </a:solidFill>
+            </a:ln>
+          </p:spPr>
+          <p:style>
+            <a:lnRef idx="1">
+              <a:schemeClr val="accent1"/>
+            </a:lnRef>
+            <a:fillRef idx="0">
+              <a:schemeClr val="accent1"/>
+            </a:fillRef>
+            <a:effectRef idx="0">
+              <a:schemeClr val="accent1"/>
+            </a:effectRef>
+            <a:fontRef idx="minor">
+              <a:schemeClr val="tx1"/>
+            </a:fontRef>
+          </p:style>
+        </p:cxnSp>
+        <p:cxnSp>
+          <p:nvCxnSpPr>
+            <p:cNvPr id="16" name="Straight Connector 15"/>
+            <p:cNvCxnSpPr/>
+            <p:nvPr/>
+          </p:nvCxnSpPr>
+          <p:spPr>
+            <a:xfrm>
+              <a:off x="518160" y="4956048"/>
+              <a:ext cx="1524000" cy="1414272"/>
+            </a:xfrm>
+            <a:prstGeom prst="line">
+              <a:avLst/>
+            </a:prstGeom>
+            <a:ln w="60325">
+              <a:solidFill>
+                <a:srgbClr val="DA998E"/>
+              </a:solidFill>
+            </a:ln>
+          </p:spPr>
+          <p:style>
+            <a:lnRef idx="1">
+              <a:schemeClr val="accent1"/>
+            </a:lnRef>
+            <a:fillRef idx="0">
+              <a:schemeClr val="accent1"/>
+            </a:fillRef>
+            <a:effectRef idx="0">
+              <a:schemeClr val="accent1"/>
+            </a:effectRef>
+            <a:fontRef idx="minor">
+              <a:schemeClr val="tx1"/>
+            </a:fontRef>
+          </p:style>
+        </p:cxnSp>
+        <p:cxnSp>
+          <p:nvCxnSpPr>
+            <p:cNvPr id="17" name="Straight Connector 16"/>
+            <p:cNvCxnSpPr/>
+            <p:nvPr/>
+          </p:nvCxnSpPr>
+          <p:spPr>
+            <a:xfrm>
+              <a:off x="0" y="4956048"/>
+              <a:ext cx="2042160" cy="1901952"/>
+            </a:xfrm>
+            <a:prstGeom prst="line">
+              <a:avLst/>
+            </a:prstGeom>
+            <a:ln w="60325">
+              <a:solidFill>
+                <a:srgbClr val="DA998E"/>
+              </a:solidFill>
+            </a:ln>
+          </p:spPr>
+          <p:style>
+            <a:lnRef idx="1">
+              <a:schemeClr val="accent1"/>
+            </a:lnRef>
+            <a:fillRef idx="0">
+              <a:schemeClr val="accent1"/>
+            </a:fillRef>
+            <a:effectRef idx="0">
+              <a:schemeClr val="accent1"/>
+            </a:effectRef>
+            <a:fontRef idx="minor">
+              <a:schemeClr val="tx1"/>
+            </a:fontRef>
+          </p:style>
+        </p:cxnSp>
+      </p:grpSp>
+      <p:sp>
+        <p:nvSpPr>
+          <p:cNvPr id="20" name="Subtitle 2"/>
+          <p:cNvSpPr txBox="1">
+            <a:spLocks/>
+          </p:cNvSpPr>
+          <p:nvPr/>
+        </p:nvSpPr>
+        <p:spPr>
+          <a:xfrm>
+            <a:off x="11344656" y="6461760"/>
+            <a:ext cx="847344" cy="396240"/>
+          </a:xfrm>
+          <a:prstGeom prst="rect">
+            <a:avLst/>
+          </a:prstGeom>
+          <a:solidFill>
+            <a:srgbClr val="2AC4AA"/>
+          </a:solidFill>
+        </p:spPr>
+        <p:txBody>
+          <a:bodyPr vert="horz" lIns="91440" tIns="45720" rIns="91440" bIns="45720" rtlCol="0">
+            <a:normAutofit lnSpcReduction="10000"/>
+          </a:bodyPr>
+          <a:lstStyle>
+            <a:lvl1pPr marL="0" indent="0" algn="ctr" defTabSz="914400" rtl="0" eaLnBrk="1" latinLnBrk="0" hangingPunct="1">
+              <a:lnSpc>
+                <a:spcPct val="90000"/>
+              </a:lnSpc>
+              <a:spcBef>
+                <a:spcPts val="1000"/>
+              </a:spcBef>
+              <a:buFont typeface="Arial" panose="020B0604020202020204" pitchFamily="34" charset="0"/>
+              <a:buNone/>
+              <a:defRPr sz="2400" kern="1200">
+                <a:solidFill>
+                  <a:schemeClr val="tx1"/>
+                </a:solidFill>
+                <a:latin typeface="+mn-lt"/>
+                <a:ea typeface="+mn-ea"/>
+                <a:cs typeface="+mn-cs"/>
+              </a:defRPr>
+            </a:lvl1pPr>
+            <a:lvl2pPr marL="457200" indent="0" algn="ctr" defTabSz="914400" rtl="0" eaLnBrk="1" latinLnBrk="0" hangingPunct="1">
+              <a:lnSpc>
+                <a:spcPct val="90000"/>
+              </a:lnSpc>
+              <a:spcBef>
+                <a:spcPts val="500"/>
+              </a:spcBef>
+              <a:buFont typeface="Arial" panose="020B0604020202020204" pitchFamily="34" charset="0"/>
+              <a:buNone/>
+              <a:defRPr sz="2000" kern="1200">
+                <a:solidFill>
+                  <a:schemeClr val="tx1"/>
+                </a:solidFill>
+                <a:latin typeface="+mn-lt"/>
+                <a:ea typeface="+mn-ea"/>
+                <a:cs typeface="+mn-cs"/>
+              </a:defRPr>
+            </a:lvl2pPr>
+            <a:lvl3pPr marL="914400" indent="0" algn="ctr" defTabSz="914400" rtl="0" eaLnBrk="1" latinLnBrk="0" hangingPunct="1">
+              <a:lnSpc>
+                <a:spcPct val="90000"/>
+              </a:lnSpc>
+              <a:spcBef>
+                <a:spcPts val="500"/>
+              </a:spcBef>
+              <a:buFont typeface="Arial" panose="020B0604020202020204" pitchFamily="34" charset="0"/>
+              <a:buNone/>
+              <a:defRPr sz="1800" kern="1200">
+                <a:solidFill>
+                  <a:schemeClr val="tx1"/>
+                </a:solidFill>
+                <a:latin typeface="+mn-lt"/>
+                <a:ea typeface="+mn-ea"/>
+                <a:cs typeface="+mn-cs"/>
+              </a:defRPr>
+            </a:lvl3pPr>
+            <a:lvl4pPr marL="1371600" indent="0" algn="ctr" defTabSz="914400" rtl="0" eaLnBrk="1" latinLnBrk="0" hangingPunct="1">
+              <a:lnSpc>
+                <a:spcPct val="90000"/>
+              </a:lnSpc>
+              <a:spcBef>
+                <a:spcPts val="500"/>
+              </a:spcBef>
+              <a:buFont typeface="Arial" panose="020B0604020202020204" pitchFamily="34" charset="0"/>
+              <a:buNone/>
+              <a:defRPr sz="1600" kern="1200">
+                <a:solidFill>
+                  <a:schemeClr val="tx1"/>
+                </a:solidFill>
+                <a:latin typeface="+mn-lt"/>
+                <a:ea typeface="+mn-ea"/>
+                <a:cs typeface="+mn-cs"/>
+              </a:defRPr>
+            </a:lvl4pPr>
+            <a:lvl5pPr marL="1828800" indent="0" algn="ctr" defTabSz="914400" rtl="0" eaLnBrk="1" latinLnBrk="0" hangingPunct="1">
+              <a:lnSpc>
+                <a:spcPct val="90000"/>
+              </a:lnSpc>
+              <a:spcBef>
+                <a:spcPts val="500"/>
+              </a:spcBef>
+              <a:buFont typeface="Arial" panose="020B0604020202020204" pitchFamily="34" charset="0"/>
+              <a:buNone/>
+              <a:defRPr sz="1600" kern="1200">
+                <a:solidFill>
+                  <a:schemeClr val="tx1"/>
+                </a:solidFill>
+                <a:latin typeface="+mn-lt"/>
+                <a:ea typeface="+mn-ea"/>
+                <a:cs typeface="+mn-cs"/>
+              </a:defRPr>
+            </a:lvl5pPr>
+            <a:lvl6pPr marL="2286000" indent="0" algn="ctr" defTabSz="914400" rtl="0" eaLnBrk="1" latinLnBrk="0" hangingPunct="1">
+              <a:lnSpc>
+                <a:spcPct val="90000"/>
+              </a:lnSpc>
+              <a:spcBef>
+                <a:spcPts val="500"/>
+              </a:spcBef>
+              <a:buFont typeface="Arial" panose="020B0604020202020204" pitchFamily="34" charset="0"/>
+              <a:buNone/>
+              <a:defRPr sz="1600" kern="1200">
+                <a:solidFill>
+                  <a:schemeClr val="tx1"/>
+                </a:solidFill>
+                <a:latin typeface="+mn-lt"/>
+                <a:ea typeface="+mn-ea"/>
+                <a:cs typeface="+mn-cs"/>
+              </a:defRPr>
+            </a:lvl6pPr>
+            <a:lvl7pPr marL="2743200" indent="0" algn="ctr" defTabSz="914400" rtl="0" eaLnBrk="1" latinLnBrk="0" hangingPunct="1">
+              <a:lnSpc>
+                <a:spcPct val="90000"/>
+              </a:lnSpc>
+              <a:spcBef>
+                <a:spcPts val="500"/>
+              </a:spcBef>
+              <a:buFont typeface="Arial" panose="020B0604020202020204" pitchFamily="34" charset="0"/>
+              <a:buNone/>
+              <a:defRPr sz="1600" kern="1200">
+                <a:solidFill>
+                  <a:schemeClr val="tx1"/>
+                </a:solidFill>
+                <a:latin typeface="+mn-lt"/>
+                <a:ea typeface="+mn-ea"/>
+                <a:cs typeface="+mn-cs"/>
+              </a:defRPr>
+            </a:lvl7pPr>
+            <a:lvl8pPr marL="3200400" indent="0" algn="ctr" defTabSz="914400" rtl="0" eaLnBrk="1" latinLnBrk="0" hangingPunct="1">
+              <a:lnSpc>
+                <a:spcPct val="90000"/>
+              </a:lnSpc>
+              <a:spcBef>
+                <a:spcPts val="500"/>
+              </a:spcBef>
+              <a:buFont typeface="Arial" panose="020B0604020202020204" pitchFamily="34" charset="0"/>
+              <a:buNone/>
+              <a:defRPr sz="1600" kern="1200">
+                <a:solidFill>
+                  <a:schemeClr val="tx1"/>
+                </a:solidFill>
+                <a:latin typeface="+mn-lt"/>
+                <a:ea typeface="+mn-ea"/>
+                <a:cs typeface="+mn-cs"/>
+              </a:defRPr>
+            </a:lvl8pPr>
+            <a:lvl9pPr marL="3657600" indent="0" algn="ctr" defTabSz="914400" rtl="0" eaLnBrk="1" latinLnBrk="0" hangingPunct="1">
+              <a:lnSpc>
+                <a:spcPct val="90000"/>
+              </a:lnSpc>
+              <a:spcBef>
+                <a:spcPts val="500"/>
+              </a:spcBef>
+              <a:buFont typeface="Arial" panose="020B0604020202020204" pitchFamily="34" charset="0"/>
+              <a:buNone/>
+              <a:defRPr sz="1600" kern="1200">
+                <a:solidFill>
+                  <a:schemeClr val="tx1"/>
+                </a:solidFill>
+                <a:latin typeface="+mn-lt"/>
+                <a:ea typeface="+mn-ea"/>
+                <a:cs typeface="+mn-cs"/>
+              </a:defRPr>
+            </a:lvl9pPr>
+          </a:lstStyle>
+          <a:p>
+            <a:r>
+              <a:rPr lang="en-US" dirty="0">
+                <a:solidFill>
+                  <a:schemeClr val="bg1"/>
+                </a:solidFill>
+              </a:rPr>
+              <a:t>7</a:t>
+            </a:r>
+            <a:r>
+              <a:rPr lang="en-US" dirty="0" smtClean="0">
+                <a:solidFill>
+                  <a:schemeClr val="bg1"/>
+                </a:solidFill>
+              </a:rPr>
+              <a:t>/10</a:t>
+            </a:r>
+            <a:endParaRPr lang="en-GB" dirty="0">
+              <a:solidFill>
+                <a:schemeClr val="bg1"/>
+              </a:solidFill>
+            </a:endParaRPr>
+          </a:p>
+        </p:txBody>
+      </p:sp>
+      <p:sp>
+        <p:nvSpPr>
+          <p:cNvPr id="6" name="TextBox 5"/>
+          <p:cNvSpPr txBox="1"/>
+          <p:nvPr/>
+        </p:nvSpPr>
+        <p:spPr>
+          <a:xfrm>
+            <a:off x="1352046" y="475488"/>
+            <a:ext cx="8887509" cy="1015663"/>
+          </a:xfrm>
+          <a:prstGeom prst="rect">
+            <a:avLst/>
+          </a:prstGeom>
+          <a:noFill/>
+        </p:spPr>
+        <p:txBody>
+          <a:bodyPr wrap="square" rtlCol="0">
+            <a:spAutoFit/>
+          </a:bodyPr>
+          <a:lstStyle/>
+          <a:p>
+            <a:r>
+              <a:rPr lang="en-GB" sz="6000" b="1" dirty="0" smtClean="0">
+                <a:solidFill>
+                  <a:schemeClr val="bg1"/>
+                </a:solidFill>
+                <a:latin typeface="+mj-lt"/>
+                <a:ea typeface="+mj-ea"/>
+                <a:cs typeface="+mj-cs"/>
+              </a:rPr>
+              <a:t>Impact</a:t>
+            </a:r>
+          </a:p>
+        </p:txBody>
+      </p:sp>
+      <p:sp>
+        <p:nvSpPr>
+          <p:cNvPr id="13" name="TextBox 12"/>
+          <p:cNvSpPr txBox="1"/>
+          <p:nvPr/>
+        </p:nvSpPr>
+        <p:spPr>
+          <a:xfrm>
+            <a:off x="3519948" y="2446050"/>
+            <a:ext cx="11267768" cy="1384995"/>
+          </a:xfrm>
+          <a:prstGeom prst="rect">
+            <a:avLst/>
+          </a:prstGeom>
+          <a:noFill/>
+        </p:spPr>
+        <p:txBody>
+          <a:bodyPr wrap="square" rtlCol="0">
+            <a:spAutoFit/>
+          </a:bodyPr>
+          <a:lstStyle/>
+          <a:p>
+            <a:pPr lvl="0"/>
+            <a:r>
+              <a:rPr lang="en-US" sz="6600" b="1" dirty="0" smtClean="0">
+                <a:solidFill>
+                  <a:schemeClr val="bg1"/>
+                </a:solidFill>
+              </a:rPr>
+              <a:t>Saving lives</a:t>
+            </a:r>
+            <a:r>
+              <a:rPr lang="en-GB" dirty="0">
+                <a:solidFill>
+                  <a:schemeClr val="bg1"/>
+                </a:solidFill>
+              </a:rPr>
+              <a:t/>
+            </a:r>
+            <a:br>
+              <a:rPr lang="en-GB" dirty="0">
+                <a:solidFill>
+                  <a:schemeClr val="bg1"/>
+                </a:solidFill>
+              </a:rPr>
+            </a:br>
+            <a:endParaRPr lang="en-GB" dirty="0">
+              <a:solidFill>
+                <a:schemeClr val="bg1"/>
+              </a:solidFill>
+            </a:endParaRPr>
+          </a:p>
+        </p:txBody>
+      </p:sp>
+    </p:spTree>
+    <p:extLst>
+      <p:ext uri="{BB962C8B-B14F-4D97-AF65-F5344CB8AC3E}">
+        <p14:creationId xmlns:p14="http://schemas.microsoft.com/office/powerpoint/2010/main" val="577695254"/>
+      </p:ext>
+    </p:extLst>
+  </p:cSld>
+  <p:clrMapOvr>
+    <a:masterClrMapping/>
+  </p:clrMapOvr>
+  <p:timing>
+    <p:tnLst>
+      <p:par>
+        <p:cTn id="1" dur="indefinite" restart="never" nodeType="tmRoot"/>
+      </p:par>
+    </p:tnLst>
+  </p:timing>
+</p:sld>
+</file>
+
 <file path=ppt/slides/slide8.xml><?xml version="1.0" encoding="utf-8"?>
 <p:sld xmlns:a="http://schemas.openxmlformats.org/drawingml/2006/main" xmlns:r="http://schemas.openxmlformats.org/officeDocument/2006/relationships" xmlns:p="http://schemas.openxmlformats.org/presentationml/2006/main">
   <p:cSld>
@@ -13777,12 +13759,20 @@
           </a:lstStyle>
           <a:p>
             <a:r>
+              <a:rPr lang="en-US" dirty="0">
+                <a:solidFill>
+                  <a:schemeClr val="bg1"/>
+                </a:solidFill>
+              </a:rPr>
+              <a:t>8</a:t>
+            </a:r>
+            <a:r>
               <a:rPr lang="en-US" dirty="0" smtClean="0">
                 <a:solidFill>
                   <a:schemeClr val="bg1"/>
                 </a:solidFill>
               </a:rPr>
-              <a:t>8/10</a:t>
+              <a:t>/10</a:t>
             </a:r>
             <a:endParaRPr lang="en-GB" dirty="0">
               <a:solidFill>
@@ -13794,14 +13784,14 @@
       </p:sp>
       <p:sp>
         <p:nvSpPr>
-          <p:cNvPr id="6" name="TextBox 5"/>
+          <p:cNvPr id="12" name="TextBox 11"/>
           <p:cNvSpPr txBox="1"/>
           <p:nvPr/>
         </p:nvSpPr>
         <p:spPr>
           <a:xfrm>
-            <a:off x="1352046" y="475488"/>
-            <a:ext cx="8887509" cy="1015663"/>
+            <a:off x="1250830" y="1901952"/>
+            <a:ext cx="10813351" cy="369332"/>
           </a:xfrm>
           <a:prstGeom prst="rect">
             <a:avLst/>
@@ -13814,66 +13804,7 @@
           </a:bodyPr>
           <a:lstStyle/>
           <a:p>
-            <a:r>
-              <a:rPr lang="en-GB" sz="6000" b="1" dirty="0" smtClean="0">
-                <a:solidFill>
-                  <a:schemeClr val="bg1"/>
-                </a:solidFill>
-                <a:latin typeface="+mj-lt"/>
-                <a:ea typeface="+mj-ea"/>
-                <a:cs typeface="+mj-cs"/>
-              </a:rPr>
-              <a:t>Impact</a:t>
-            </a:r>
-          </a:p>
-        </p:txBody>
-      </p:sp>
-      <p:sp>
-        <p:nvSpPr>
-          <p:cNvPr id="13" name="TextBox 12"/>
-          <p:cNvSpPr txBox="1"/>
-          <p:nvPr/>
-        </p:nvSpPr>
-        <p:spPr>
-          <a:xfrm>
-            <a:off x="3519948" y="2446050"/>
-            <a:ext cx="11267768" cy="1384995"/>
-          </a:xfrm>
-          <a:prstGeom prst="rect">
-            <a:avLst/>
-          </a:prstGeom>
-          <a:noFill/>
-        </p:spPr>
-        <p:txBody>
-          <a:bodyPr wrap="square" rtlCol="0">
-            <a:spAutoFit/>
-          </a:bodyPr>
-          <a:lstStyle/>
-          <a:p>
             <a:pPr lvl="0"/>
-            <a:r>
-              <a:rPr lang="en-US" sz="6600" b="1" dirty="0" smtClean="0">
-                <a:solidFill>
-                  <a:schemeClr val="bg1"/>
-                </a:solidFill>
-              </a:rPr>
-              <a:t>Saving lives</a:t>
-            </a:r>
-            <a:r>
-              <a:rPr lang="en-GB" dirty="0">
-                <a:solidFill>
-                  <a:schemeClr val="bg1"/>
-                </a:solidFill>
-              </a:rPr>
-              <a:t/>
-            </a:r>
-            <a:br>
-              <a:rPr lang="en-GB" dirty="0">
-                <a:solidFill>
-                  <a:schemeClr val="bg1"/>
-                </a:solidFill>
-              </a:rPr>
-            </a:br>
             <a:endParaRPr lang="en-GB" dirty="0">
               <a:solidFill>
                 <a:schemeClr val="bg1"/>
@@ -13882,10 +13813,40 @@
           </a:p>
         </p:txBody>
       </p:sp>
+      <p:pic>
+        <p:nvPicPr>
+          <p:cNvPr id="2" name="Picture 1"/>
+          <p:cNvPicPr>
+            <a:picLocks noChangeAspect="1"/>
+          </p:cNvPicPr>
+          <p:nvPr/>
+        </p:nvPicPr>
+        <p:blipFill>
+          <a:blip r:embed="rId2">
+            <a:extLst>
+              <a:ext uri="{28A0092B-C50C-407E-A947-70E740481C1C}">
+                <a14:useLocalDpi xmlns:a14="http://schemas.microsoft.com/office/drawing/2010/main" val="0"/>
+              </a:ext>
+            </a:extLst>
+          </a:blip>
+          <a:stretch>
+            <a:fillRect/>
+          </a:stretch>
+        </p:blipFill>
+        <p:spPr>
+          <a:xfrm>
+            <a:off x="2560320" y="537970"/>
+            <a:ext cx="6398188" cy="5773725"/>
+          </a:xfrm>
+          <a:prstGeom prst="rect">
+            <a:avLst/>
+          </a:prstGeom>
+        </p:spPr>
+      </p:pic>
     </p:spTree>
     <p:extLst>
       <p:ext uri="{BB962C8B-B14F-4D97-AF65-F5344CB8AC3E}">
-        <p14:creationId xmlns:p14="http://schemas.microsoft.com/office/powerpoint/2010/main" val="577695254"/>
+        <p14:creationId xmlns:p14="http://schemas.microsoft.com/office/powerpoint/2010/main" val="836953574"/>
       </p:ext>
     </p:extLst>
   </p:cSld>
@@ -14357,12 +14318,12 @@
           </a:lstStyle>
           <a:p>
             <a:r>
-              <a:rPr lang="en-US" dirty="0">
+              <a:rPr lang="en-US" dirty="0" smtClean="0">
                 <a:solidFill>
                   <a:schemeClr val="bg1"/>
                 </a:solidFill>
               </a:rPr>
-              <a:t>9</a:t>
+              <a:t>8</a:t>
             </a:r>
             <a:r>
               <a:rPr lang="en-US" dirty="0" smtClean="0">
@@ -14382,14 +14343,14 @@
       </p:sp>
       <p:sp>
         <p:nvSpPr>
-          <p:cNvPr id="12" name="TextBox 11"/>
+          <p:cNvPr id="5" name="TextBox 4"/>
           <p:cNvSpPr txBox="1"/>
           <p:nvPr/>
         </p:nvSpPr>
         <p:spPr>
           <a:xfrm>
-            <a:off x="1250830" y="1901952"/>
-            <a:ext cx="10813351" cy="369332"/>
+            <a:off x="1036320" y="1875151"/>
+            <a:ext cx="10308336" cy="3539430"/>
           </a:xfrm>
           <a:prstGeom prst="rect">
             <a:avLst/>
@@ -14402,49 +14363,137 @@
           </a:bodyPr>
           <a:lstStyle/>
           <a:p>
-            <a:pPr lvl="0"/>
-            <a:endParaRPr lang="en-GB" dirty="0">
-              <a:solidFill>
-                <a:schemeClr val="bg1"/>
-              </a:solidFill>
-            </a:endParaRPr>
+            <a:pPr marL="457200" indent="-457200">
+              <a:buFont typeface="Arial" panose="020B0604020202020204" pitchFamily="34" charset="0"/>
+              <a:buChar char="•"/>
+            </a:pPr>
+            <a:r>
+              <a:rPr lang="en-GB" sz="3200" u="sng" dirty="0" smtClean="0">
+                <a:hlinkClick r:id="rId2"/>
+              </a:rPr>
+              <a:t>http</a:t>
+            </a:r>
+            <a:r>
+              <a:rPr lang="en-GB" sz="3200" u="sng" dirty="0">
+                <a:hlinkClick r:id="rId2"/>
+              </a:rPr>
+              <a:t>://home.etf.rs/~</a:t>
+            </a:r>
+            <a:r>
+              <a:rPr lang="en-GB" sz="3200" u="sng" dirty="0" smtClean="0">
+                <a:hlinkClick r:id="rId2"/>
+              </a:rPr>
+              <a:t>vm/os/uspi/how_fp7.html</a:t>
+            </a:r>
+            <a:endParaRPr lang="en-GB" sz="3200" dirty="0" smtClean="0"/>
+          </a:p>
+          <a:p>
+            <a:endParaRPr lang="en-GB" sz="3200" dirty="0" smtClean="0"/>
+          </a:p>
+          <a:p>
+            <a:pPr marL="457200" indent="-457200">
+              <a:buFont typeface="Arial" panose="020B0604020202020204" pitchFamily="34" charset="0"/>
+              <a:buChar char="•"/>
+            </a:pPr>
+            <a:r>
+              <a:rPr lang="en-GB" sz="3200" u="sng" dirty="0"/>
+              <a:t>http://poincare.matf.bg.ac.rs/~aleksandar/files/upin.html</a:t>
+            </a:r>
+            <a:endParaRPr lang="en-GB" sz="3200" dirty="0"/>
+          </a:p>
+          <a:p>
+            <a:endParaRPr lang="en-GB" sz="3200" dirty="0"/>
+          </a:p>
+          <a:p>
+            <a:pPr marL="457200" indent="-457200">
+              <a:buFont typeface="Arial" panose="020B0604020202020204" pitchFamily="34" charset="0"/>
+              <a:buChar char="•"/>
+            </a:pPr>
+            <a:r>
+              <a:rPr lang="en-GB" sz="3200" u="sng" dirty="0">
+                <a:hlinkClick r:id="rId3"/>
+              </a:rPr>
+              <a:t>http://home.etf.rs/~</a:t>
+            </a:r>
+            <a:r>
+              <a:rPr lang="en-GB" sz="3200" u="sng" dirty="0" smtClean="0">
+                <a:hlinkClick r:id="rId3"/>
+              </a:rPr>
+              <a:t>vm/os/osuspi.html</a:t>
+            </a:r>
+            <a:endParaRPr lang="en-GB" sz="3200" u="sng" dirty="0" smtClean="0"/>
+          </a:p>
+          <a:p>
+            <a:pPr marL="457200" indent="-457200">
+              <a:buFont typeface="Arial" panose="020B0604020202020204" pitchFamily="34" charset="0"/>
+              <a:buChar char="•"/>
+            </a:pPr>
+            <a:endParaRPr lang="en-US" sz="3200" u="sng" dirty="0"/>
+          </a:p>
+          <a:p>
+            <a:pPr marL="457200" indent="-457200">
+              <a:buFont typeface="Arial" panose="020B0604020202020204" pitchFamily="34" charset="0"/>
+              <a:buChar char="•"/>
+            </a:pPr>
+            <a:r>
+              <a:rPr lang="en-GB" sz="3200" u="sng" dirty="0">
+                <a:hlinkClick r:id="rId4"/>
+              </a:rPr>
+              <a:t>https</a:t>
+            </a:r>
+            <a:r>
+              <a:rPr lang="en-GB" sz="3200" u="sng" dirty="0">
+                <a:hlinkClick r:id="rId4"/>
+              </a:rPr>
+              <a:t>://eucalls.net/dashboard/call?id=35806</a:t>
+            </a:r>
+            <a:endParaRPr lang="en-GB" sz="3200" u="sng" dirty="0"/>
           </a:p>
         </p:txBody>
       </p:sp>
-      <p:pic>
-        <p:nvPicPr>
-          <p:cNvPr id="2" name="Picture 1"/>
-          <p:cNvPicPr>
-            <a:picLocks noChangeAspect="1"/>
-          </p:cNvPicPr>
+      <p:sp>
+        <p:nvSpPr>
+          <p:cNvPr id="6" name="TextBox 5"/>
+          <p:cNvSpPr txBox="1"/>
           <p:nvPr/>
-        </p:nvPicPr>
-        <p:blipFill>
-          <a:blip r:embed="rId2">
-            <a:extLst>
-              <a:ext uri="{28A0092B-C50C-407E-A947-70E740481C1C}">
-                <a14:useLocalDpi xmlns:a14="http://schemas.microsoft.com/office/drawing/2010/main" val="0"/>
-              </a:ext>
-            </a:extLst>
-          </a:blip>
-          <a:stretch>
-            <a:fillRect/>
-          </a:stretch>
-        </p:blipFill>
+        </p:nvSpPr>
         <p:spPr>
           <a:xfrm>
-            <a:off x="2560320" y="537970"/>
-            <a:ext cx="6398188" cy="5773725"/>
+            <a:off x="1352046" y="475488"/>
+            <a:ext cx="7162225" cy="1292662"/>
           </a:xfrm>
           <a:prstGeom prst="rect">
             <a:avLst/>
           </a:prstGeom>
+          <a:noFill/>
         </p:spPr>
-      </p:pic>
+        <p:txBody>
+          <a:bodyPr wrap="square" rtlCol="0">
+            <a:spAutoFit/>
+          </a:bodyPr>
+          <a:lstStyle/>
+          <a:p>
+            <a:r>
+              <a:rPr lang="en-GB" sz="6000" b="1" dirty="0">
+                <a:solidFill>
+                  <a:schemeClr val="bg1"/>
+                </a:solidFill>
+                <a:latin typeface="+mj-lt"/>
+                <a:ea typeface="+mj-ea"/>
+                <a:cs typeface="+mj-cs"/>
+              </a:rPr>
+              <a:t>References:</a:t>
+            </a:r>
+          </a:p>
+          <a:p>
+            <a:endParaRPr lang="en-GB" dirty="0"/>
+          </a:p>
+        </p:txBody>
+      </p:sp>
     </p:spTree>
     <p:extLst>
       <p:ext uri="{BB962C8B-B14F-4D97-AF65-F5344CB8AC3E}">
-        <p14:creationId xmlns:p14="http://schemas.microsoft.com/office/powerpoint/2010/main" val="836953574"/>
+        <p14:creationId xmlns:p14="http://schemas.microsoft.com/office/powerpoint/2010/main" val="3935290201"/>
       </p:ext>
     </p:extLst>
   </p:cSld>
